--- a/设计文档/设计图纸.pptx
+++ b/设计文档/设计图纸.pptx
@@ -5,9 +5,9 @@
     <p:sldMasterId id="2147483648" r:id="rId1"/>
   </p:sldMasterIdLst>
   <p:sldIdLst>
-    <p:sldId id="256" r:id="rId3"/>
-    <p:sldId id="257" r:id="rId4"/>
-    <p:sldId id="258" r:id="rId5"/>
+    <p:sldId id="256" r:id="rId2"/>
+    <p:sldId id="257" r:id="rId3"/>
+    <p:sldId id="258" r:id="rId4"/>
   </p:sldIdLst>
   <p:sldSz cx="12192000" cy="6858000"/>
   <p:notesSz cx="6858000" cy="9144000"/>
@@ -240,6 +240,7 @@
           <a:p>
             <a:fld id="{D997B5FA-0921-464F-AAE1-844C04324D75}" type="datetimeFigureOut">
               <a:rPr lang="zh-CN" altLang="en-US" smtClean="0"/>
+              <a:t>2019/2/5</a:t>
             </a:fld>
             <a:endParaRPr lang="zh-CN" altLang="en-US"/>
           </a:p>
@@ -281,6 +282,7 @@
           <a:p>
             <a:fld id="{565CE74E-AB26-4998-AD42-012C4C1AD076}" type="slidenum">
               <a:rPr lang="zh-CN" altLang="en-US" smtClean="0"/>
+              <a:t>‹#›</a:t>
             </a:fld>
             <a:endParaRPr lang="zh-CN" altLang="en-US"/>
           </a:p>
@@ -354,7 +356,6 @@
               <a:rPr lang="zh-CN" altLang="en-US" smtClean="0"/>
               <a:t>单击此处编辑母版文本样式</a:t>
             </a:r>
-            <a:endParaRPr lang="zh-CN" altLang="en-US" smtClean="0"/>
           </a:p>
           <a:p>
             <a:pPr lvl="1"/>
@@ -362,7 +363,6 @@
               <a:rPr lang="zh-CN" altLang="en-US" smtClean="0"/>
               <a:t>第二级</a:t>
             </a:r>
-            <a:endParaRPr lang="zh-CN" altLang="en-US" smtClean="0"/>
           </a:p>
           <a:p>
             <a:pPr lvl="2"/>
@@ -370,7 +370,6 @@
               <a:rPr lang="zh-CN" altLang="en-US" smtClean="0"/>
               <a:t>第三级</a:t>
             </a:r>
-            <a:endParaRPr lang="zh-CN" altLang="en-US" smtClean="0"/>
           </a:p>
           <a:p>
             <a:pPr lvl="3"/>
@@ -378,7 +377,6 @@
               <a:rPr lang="zh-CN" altLang="en-US" smtClean="0"/>
               <a:t>第四级</a:t>
             </a:r>
-            <a:endParaRPr lang="zh-CN" altLang="en-US" smtClean="0"/>
           </a:p>
           <a:p>
             <a:pPr lvl="4"/>
@@ -407,6 +405,7 @@
           <a:p>
             <a:fld id="{D997B5FA-0921-464F-AAE1-844C04324D75}" type="datetimeFigureOut">
               <a:rPr lang="zh-CN" altLang="en-US" smtClean="0"/>
+              <a:t>2019/2/5</a:t>
             </a:fld>
             <a:endParaRPr lang="zh-CN" altLang="en-US"/>
           </a:p>
@@ -448,6 +447,7 @@
           <a:p>
             <a:fld id="{565CE74E-AB26-4998-AD42-012C4C1AD076}" type="slidenum">
               <a:rPr lang="zh-CN" altLang="en-US" smtClean="0"/>
+              <a:t>‹#›</a:t>
             </a:fld>
             <a:endParaRPr lang="zh-CN" altLang="en-US"/>
           </a:p>
@@ -531,7 +531,6 @@
               <a:rPr lang="zh-CN" altLang="en-US" smtClean="0"/>
               <a:t>单击此处编辑母版文本样式</a:t>
             </a:r>
-            <a:endParaRPr lang="zh-CN" altLang="en-US" smtClean="0"/>
           </a:p>
           <a:p>
             <a:pPr lvl="1"/>
@@ -539,7 +538,6 @@
               <a:rPr lang="zh-CN" altLang="en-US" smtClean="0"/>
               <a:t>第二级</a:t>
             </a:r>
-            <a:endParaRPr lang="zh-CN" altLang="en-US" smtClean="0"/>
           </a:p>
           <a:p>
             <a:pPr lvl="2"/>
@@ -547,7 +545,6 @@
               <a:rPr lang="zh-CN" altLang="en-US" smtClean="0"/>
               <a:t>第三级</a:t>
             </a:r>
-            <a:endParaRPr lang="zh-CN" altLang="en-US" smtClean="0"/>
           </a:p>
           <a:p>
             <a:pPr lvl="3"/>
@@ -555,7 +552,6 @@
               <a:rPr lang="zh-CN" altLang="en-US" smtClean="0"/>
               <a:t>第四级</a:t>
             </a:r>
-            <a:endParaRPr lang="zh-CN" altLang="en-US" smtClean="0"/>
           </a:p>
           <a:p>
             <a:pPr lvl="4"/>
@@ -584,6 +580,7 @@
           <a:p>
             <a:fld id="{D997B5FA-0921-464F-AAE1-844C04324D75}" type="datetimeFigureOut">
               <a:rPr lang="zh-CN" altLang="en-US" smtClean="0"/>
+              <a:t>2019/2/5</a:t>
             </a:fld>
             <a:endParaRPr lang="zh-CN" altLang="en-US"/>
           </a:p>
@@ -625,6 +622,7 @@
           <a:p>
             <a:fld id="{565CE74E-AB26-4998-AD42-012C4C1AD076}" type="slidenum">
               <a:rPr lang="zh-CN" altLang="en-US" smtClean="0"/>
+              <a:t>‹#›</a:t>
             </a:fld>
             <a:endParaRPr lang="zh-CN" altLang="en-US"/>
           </a:p>
@@ -698,7 +696,6 @@
               <a:rPr lang="zh-CN" altLang="en-US" smtClean="0"/>
               <a:t>单击此处编辑母版文本样式</a:t>
             </a:r>
-            <a:endParaRPr lang="zh-CN" altLang="en-US" smtClean="0"/>
           </a:p>
           <a:p>
             <a:pPr lvl="1"/>
@@ -706,7 +703,6 @@
               <a:rPr lang="zh-CN" altLang="en-US" smtClean="0"/>
               <a:t>第二级</a:t>
             </a:r>
-            <a:endParaRPr lang="zh-CN" altLang="en-US" smtClean="0"/>
           </a:p>
           <a:p>
             <a:pPr lvl="2"/>
@@ -714,7 +710,6 @@
               <a:rPr lang="zh-CN" altLang="en-US" smtClean="0"/>
               <a:t>第三级</a:t>
             </a:r>
-            <a:endParaRPr lang="zh-CN" altLang="en-US" smtClean="0"/>
           </a:p>
           <a:p>
             <a:pPr lvl="3"/>
@@ -722,7 +717,6 @@
               <a:rPr lang="zh-CN" altLang="en-US" smtClean="0"/>
               <a:t>第四级</a:t>
             </a:r>
-            <a:endParaRPr lang="zh-CN" altLang="en-US" smtClean="0"/>
           </a:p>
           <a:p>
             <a:pPr lvl="4"/>
@@ -751,6 +745,7 @@
           <a:p>
             <a:fld id="{D997B5FA-0921-464F-AAE1-844C04324D75}" type="datetimeFigureOut">
               <a:rPr lang="zh-CN" altLang="en-US" smtClean="0"/>
+              <a:t>2019/2/5</a:t>
             </a:fld>
             <a:endParaRPr lang="zh-CN" altLang="en-US"/>
           </a:p>
@@ -792,6 +787,7 @@
           <a:p>
             <a:fld id="{565CE74E-AB26-4998-AD42-012C4C1AD076}" type="slidenum">
               <a:rPr lang="zh-CN" altLang="en-US" smtClean="0"/>
+              <a:t>‹#›</a:t>
             </a:fld>
             <a:endParaRPr lang="zh-CN" altLang="en-US"/>
           </a:p>
@@ -970,7 +966,6 @@
               <a:rPr lang="zh-CN" altLang="en-US" smtClean="0"/>
               <a:t>单击此处编辑母版文本样式</a:t>
             </a:r>
-            <a:endParaRPr lang="zh-CN" altLang="en-US" smtClean="0"/>
           </a:p>
         </p:txBody>
       </p:sp>
@@ -991,6 +986,7 @@
           <a:p>
             <a:fld id="{D997B5FA-0921-464F-AAE1-844C04324D75}" type="datetimeFigureOut">
               <a:rPr lang="zh-CN" altLang="en-US" smtClean="0"/>
+              <a:t>2019/2/5</a:t>
             </a:fld>
             <a:endParaRPr lang="zh-CN" altLang="en-US"/>
           </a:p>
@@ -1032,6 +1028,7 @@
           <a:p>
             <a:fld id="{565CE74E-AB26-4998-AD42-012C4C1AD076}" type="slidenum">
               <a:rPr lang="zh-CN" altLang="en-US" smtClean="0"/>
+              <a:t>‹#›</a:t>
             </a:fld>
             <a:endParaRPr lang="zh-CN" altLang="en-US"/>
           </a:p>
@@ -1110,7 +1107,6 @@
               <a:rPr lang="zh-CN" altLang="en-US" smtClean="0"/>
               <a:t>单击此处编辑母版文本样式</a:t>
             </a:r>
-            <a:endParaRPr lang="zh-CN" altLang="en-US" smtClean="0"/>
           </a:p>
           <a:p>
             <a:pPr lvl="1"/>
@@ -1118,7 +1114,6 @@
               <a:rPr lang="zh-CN" altLang="en-US" smtClean="0"/>
               <a:t>第二级</a:t>
             </a:r>
-            <a:endParaRPr lang="zh-CN" altLang="en-US" smtClean="0"/>
           </a:p>
           <a:p>
             <a:pPr lvl="2"/>
@@ -1126,7 +1121,6 @@
               <a:rPr lang="zh-CN" altLang="en-US" smtClean="0"/>
               <a:t>第三级</a:t>
             </a:r>
-            <a:endParaRPr lang="zh-CN" altLang="en-US" smtClean="0"/>
           </a:p>
           <a:p>
             <a:pPr lvl="3"/>
@@ -1134,7 +1128,6 @@
               <a:rPr lang="zh-CN" altLang="en-US" smtClean="0"/>
               <a:t>第四级</a:t>
             </a:r>
-            <a:endParaRPr lang="zh-CN" altLang="en-US" smtClean="0"/>
           </a:p>
           <a:p>
             <a:pPr lvl="4"/>
@@ -1171,7 +1164,6 @@
               <a:rPr lang="zh-CN" altLang="en-US" smtClean="0"/>
               <a:t>单击此处编辑母版文本样式</a:t>
             </a:r>
-            <a:endParaRPr lang="zh-CN" altLang="en-US" smtClean="0"/>
           </a:p>
           <a:p>
             <a:pPr lvl="1"/>
@@ -1179,7 +1171,6 @@
               <a:rPr lang="zh-CN" altLang="en-US" smtClean="0"/>
               <a:t>第二级</a:t>
             </a:r>
-            <a:endParaRPr lang="zh-CN" altLang="en-US" smtClean="0"/>
           </a:p>
           <a:p>
             <a:pPr lvl="2"/>
@@ -1187,7 +1178,6 @@
               <a:rPr lang="zh-CN" altLang="en-US" smtClean="0"/>
               <a:t>第三级</a:t>
             </a:r>
-            <a:endParaRPr lang="zh-CN" altLang="en-US" smtClean="0"/>
           </a:p>
           <a:p>
             <a:pPr lvl="3"/>
@@ -1195,7 +1185,6 @@
               <a:rPr lang="zh-CN" altLang="en-US" smtClean="0"/>
               <a:t>第四级</a:t>
             </a:r>
-            <a:endParaRPr lang="zh-CN" altLang="en-US" smtClean="0"/>
           </a:p>
           <a:p>
             <a:pPr lvl="4"/>
@@ -1224,6 +1213,7 @@
           <a:p>
             <a:fld id="{D997B5FA-0921-464F-AAE1-844C04324D75}" type="datetimeFigureOut">
               <a:rPr lang="zh-CN" altLang="en-US" smtClean="0"/>
+              <a:t>2019/2/5</a:t>
             </a:fld>
             <a:endParaRPr lang="zh-CN" altLang="en-US"/>
           </a:p>
@@ -1265,6 +1255,7 @@
           <a:p>
             <a:fld id="{565CE74E-AB26-4998-AD42-012C4C1AD076}" type="slidenum">
               <a:rPr lang="zh-CN" altLang="en-US" smtClean="0"/>
+              <a:t>‹#›</a:t>
             </a:fld>
             <a:endParaRPr lang="zh-CN" altLang="en-US"/>
           </a:p>
@@ -1385,7 +1376,6 @@
               <a:rPr lang="zh-CN" altLang="en-US" smtClean="0"/>
               <a:t>单击此处编辑母版文本样式</a:t>
             </a:r>
-            <a:endParaRPr lang="zh-CN" altLang="en-US" smtClean="0"/>
           </a:p>
         </p:txBody>
       </p:sp>
@@ -1414,7 +1404,6 @@
               <a:rPr lang="zh-CN" altLang="en-US" smtClean="0"/>
               <a:t>单击此处编辑母版文本样式</a:t>
             </a:r>
-            <a:endParaRPr lang="zh-CN" altLang="en-US" smtClean="0"/>
           </a:p>
           <a:p>
             <a:pPr lvl="1"/>
@@ -1422,7 +1411,6 @@
               <a:rPr lang="zh-CN" altLang="en-US" smtClean="0"/>
               <a:t>第二级</a:t>
             </a:r>
-            <a:endParaRPr lang="zh-CN" altLang="en-US" smtClean="0"/>
           </a:p>
           <a:p>
             <a:pPr lvl="2"/>
@@ -1430,7 +1418,6 @@
               <a:rPr lang="zh-CN" altLang="en-US" smtClean="0"/>
               <a:t>第三级</a:t>
             </a:r>
-            <a:endParaRPr lang="zh-CN" altLang="en-US" smtClean="0"/>
           </a:p>
           <a:p>
             <a:pPr lvl="3"/>
@@ -1438,7 +1425,6 @@
               <a:rPr lang="zh-CN" altLang="en-US" smtClean="0"/>
               <a:t>第四级</a:t>
             </a:r>
-            <a:endParaRPr lang="zh-CN" altLang="en-US" smtClean="0"/>
           </a:p>
           <a:p>
             <a:pPr lvl="4"/>
@@ -1512,7 +1498,6 @@
               <a:rPr lang="zh-CN" altLang="en-US" smtClean="0"/>
               <a:t>单击此处编辑母版文本样式</a:t>
             </a:r>
-            <a:endParaRPr lang="zh-CN" altLang="en-US" smtClean="0"/>
           </a:p>
         </p:txBody>
       </p:sp>
@@ -1541,7 +1526,6 @@
               <a:rPr lang="zh-CN" altLang="en-US" smtClean="0"/>
               <a:t>单击此处编辑母版文本样式</a:t>
             </a:r>
-            <a:endParaRPr lang="zh-CN" altLang="en-US" smtClean="0"/>
           </a:p>
           <a:p>
             <a:pPr lvl="1"/>
@@ -1549,7 +1533,6 @@
               <a:rPr lang="zh-CN" altLang="en-US" smtClean="0"/>
               <a:t>第二级</a:t>
             </a:r>
-            <a:endParaRPr lang="zh-CN" altLang="en-US" smtClean="0"/>
           </a:p>
           <a:p>
             <a:pPr lvl="2"/>
@@ -1557,7 +1540,6 @@
               <a:rPr lang="zh-CN" altLang="en-US" smtClean="0"/>
               <a:t>第三级</a:t>
             </a:r>
-            <a:endParaRPr lang="zh-CN" altLang="en-US" smtClean="0"/>
           </a:p>
           <a:p>
             <a:pPr lvl="3"/>
@@ -1565,7 +1547,6 @@
               <a:rPr lang="zh-CN" altLang="en-US" smtClean="0"/>
               <a:t>第四级</a:t>
             </a:r>
-            <a:endParaRPr lang="zh-CN" altLang="en-US" smtClean="0"/>
           </a:p>
           <a:p>
             <a:pPr lvl="4"/>
@@ -1594,6 +1575,7 @@
           <a:p>
             <a:fld id="{D997B5FA-0921-464F-AAE1-844C04324D75}" type="datetimeFigureOut">
               <a:rPr lang="zh-CN" altLang="en-US" smtClean="0"/>
+              <a:t>2019/2/5</a:t>
             </a:fld>
             <a:endParaRPr lang="zh-CN" altLang="en-US"/>
           </a:p>
@@ -1635,6 +1617,7 @@
           <a:p>
             <a:fld id="{565CE74E-AB26-4998-AD42-012C4C1AD076}" type="slidenum">
               <a:rPr lang="zh-CN" altLang="en-US" smtClean="0"/>
+              <a:t>‹#›</a:t>
             </a:fld>
             <a:endParaRPr lang="zh-CN" altLang="en-US"/>
           </a:p>
@@ -1705,6 +1688,7 @@
           <a:p>
             <a:fld id="{D997B5FA-0921-464F-AAE1-844C04324D75}" type="datetimeFigureOut">
               <a:rPr lang="zh-CN" altLang="en-US" smtClean="0"/>
+              <a:t>2019/2/5</a:t>
             </a:fld>
             <a:endParaRPr lang="zh-CN" altLang="en-US"/>
           </a:p>
@@ -1746,6 +1730,7 @@
           <a:p>
             <a:fld id="{565CE74E-AB26-4998-AD42-012C4C1AD076}" type="slidenum">
               <a:rPr lang="zh-CN" altLang="en-US" smtClean="0"/>
+              <a:t>‹#›</a:t>
             </a:fld>
             <a:endParaRPr lang="zh-CN" altLang="en-US"/>
           </a:p>
@@ -1793,6 +1778,7 @@
           <a:p>
             <a:fld id="{D997B5FA-0921-464F-AAE1-844C04324D75}" type="datetimeFigureOut">
               <a:rPr lang="zh-CN" altLang="en-US" smtClean="0"/>
+              <a:t>2019/2/5</a:t>
             </a:fld>
             <a:endParaRPr lang="zh-CN" altLang="en-US"/>
           </a:p>
@@ -1834,6 +1820,7 @@
           <a:p>
             <a:fld id="{565CE74E-AB26-4998-AD42-012C4C1AD076}" type="slidenum">
               <a:rPr lang="zh-CN" altLang="en-US" smtClean="0"/>
+              <a:t>‹#›</a:t>
             </a:fld>
             <a:endParaRPr lang="zh-CN" altLang="en-US"/>
           </a:p>
@@ -1949,7 +1936,6 @@
               <a:rPr lang="zh-CN" altLang="en-US" smtClean="0"/>
               <a:t>单击此处编辑母版文本样式</a:t>
             </a:r>
-            <a:endParaRPr lang="zh-CN" altLang="en-US" smtClean="0"/>
           </a:p>
           <a:p>
             <a:pPr lvl="1"/>
@@ -1957,7 +1943,6 @@
               <a:rPr lang="zh-CN" altLang="en-US" smtClean="0"/>
               <a:t>第二级</a:t>
             </a:r>
-            <a:endParaRPr lang="zh-CN" altLang="en-US" smtClean="0"/>
           </a:p>
           <a:p>
             <a:pPr lvl="2"/>
@@ -1965,7 +1950,6 @@
               <a:rPr lang="zh-CN" altLang="en-US" smtClean="0"/>
               <a:t>第三级</a:t>
             </a:r>
-            <a:endParaRPr lang="zh-CN" altLang="en-US" smtClean="0"/>
           </a:p>
           <a:p>
             <a:pPr lvl="3"/>
@@ -1973,7 +1957,6 @@
               <a:rPr lang="zh-CN" altLang="en-US" smtClean="0"/>
               <a:t>第四级</a:t>
             </a:r>
-            <a:endParaRPr lang="zh-CN" altLang="en-US" smtClean="0"/>
           </a:p>
           <a:p>
             <a:pPr lvl="4"/>
@@ -2047,7 +2030,6 @@
               <a:rPr lang="zh-CN" altLang="en-US" smtClean="0"/>
               <a:t>单击此处编辑母版文本样式</a:t>
             </a:r>
-            <a:endParaRPr lang="zh-CN" altLang="en-US" smtClean="0"/>
           </a:p>
         </p:txBody>
       </p:sp>
@@ -2068,6 +2050,7 @@
           <a:p>
             <a:fld id="{D997B5FA-0921-464F-AAE1-844C04324D75}" type="datetimeFigureOut">
               <a:rPr lang="zh-CN" altLang="en-US" smtClean="0"/>
+              <a:t>2019/2/5</a:t>
             </a:fld>
             <a:endParaRPr lang="zh-CN" altLang="en-US"/>
           </a:p>
@@ -2109,6 +2092,7 @@
           <a:p>
             <a:fld id="{565CE74E-AB26-4998-AD42-012C4C1AD076}" type="slidenum">
               <a:rPr lang="zh-CN" altLang="en-US" smtClean="0"/>
+              <a:t>‹#›</a:t>
             </a:fld>
             <a:endParaRPr lang="zh-CN" altLang="en-US"/>
           </a:p>
@@ -2294,7 +2278,6 @@
               <a:rPr lang="zh-CN" altLang="en-US" smtClean="0"/>
               <a:t>单击此处编辑母版文本样式</a:t>
             </a:r>
-            <a:endParaRPr lang="zh-CN" altLang="en-US" smtClean="0"/>
           </a:p>
         </p:txBody>
       </p:sp>
@@ -2315,6 +2298,7 @@
           <a:p>
             <a:fld id="{D997B5FA-0921-464F-AAE1-844C04324D75}" type="datetimeFigureOut">
               <a:rPr lang="zh-CN" altLang="en-US" smtClean="0"/>
+              <a:t>2019/2/5</a:t>
             </a:fld>
             <a:endParaRPr lang="zh-CN" altLang="en-US"/>
           </a:p>
@@ -2356,6 +2340,7 @@
           <a:p>
             <a:fld id="{565CE74E-AB26-4998-AD42-012C4C1AD076}" type="slidenum">
               <a:rPr lang="zh-CN" altLang="en-US" smtClean="0"/>
+              <a:t>‹#›</a:t>
             </a:fld>
             <a:endParaRPr lang="zh-CN" altLang="en-US"/>
           </a:p>
@@ -2454,7 +2439,6 @@
               <a:rPr lang="zh-CN" altLang="en-US" smtClean="0"/>
               <a:t>单击此处编辑母版文本样式</a:t>
             </a:r>
-            <a:endParaRPr lang="zh-CN" altLang="en-US" smtClean="0"/>
           </a:p>
           <a:p>
             <a:pPr lvl="1"/>
@@ -2462,7 +2446,6 @@
               <a:rPr lang="zh-CN" altLang="en-US" smtClean="0"/>
               <a:t>第二级</a:t>
             </a:r>
-            <a:endParaRPr lang="zh-CN" altLang="en-US" smtClean="0"/>
           </a:p>
           <a:p>
             <a:pPr lvl="2"/>
@@ -2470,7 +2453,6 @@
               <a:rPr lang="zh-CN" altLang="en-US" smtClean="0"/>
               <a:t>第三级</a:t>
             </a:r>
-            <a:endParaRPr lang="zh-CN" altLang="en-US" smtClean="0"/>
           </a:p>
           <a:p>
             <a:pPr lvl="3"/>
@@ -2478,7 +2460,6 @@
               <a:rPr lang="zh-CN" altLang="en-US" smtClean="0"/>
               <a:t>第四级</a:t>
             </a:r>
-            <a:endParaRPr lang="zh-CN" altLang="en-US" smtClean="0"/>
           </a:p>
           <a:p>
             <a:pPr lvl="4"/>
@@ -2525,6 +2506,7 @@
           <a:p>
             <a:fld id="{D997B5FA-0921-464F-AAE1-844C04324D75}" type="datetimeFigureOut">
               <a:rPr lang="zh-CN" altLang="en-US" smtClean="0"/>
+              <a:t>2019/2/5</a:t>
             </a:fld>
             <a:endParaRPr lang="zh-CN" altLang="en-US"/>
           </a:p>
@@ -2602,6 +2584,7 @@
           <a:p>
             <a:fld id="{565CE74E-AB26-4998-AD42-012C4C1AD076}" type="slidenum">
               <a:rPr lang="zh-CN" altLang="en-US" smtClean="0"/>
+              <a:t>‹#›</a:t>
             </a:fld>
             <a:endParaRPr lang="zh-CN" altLang="en-US"/>
           </a:p>
@@ -2915,7 +2898,14 @@
         <p:cNvGrpSpPr/>
         <p:nvPr/>
       </p:nvGrpSpPr>
-      <p:grpSpPr/>
+      <p:grpSpPr>
+        <a:xfrm>
+          <a:off x="0" y="0"/>
+          <a:ext cx="0" cy="0"/>
+          <a:chOff x="0" y="0"/>
+          <a:chExt cx="0" cy="0"/>
+        </a:xfrm>
+      </p:grpSpPr>
       <p:sp>
         <p:nvSpPr>
           <p:cNvPr id="2" name="标题 1"/>
@@ -2929,6 +2919,7 @@
         <p:spPr/>
         <p:txBody>
           <a:bodyPr/>
+          <a:lstStyle/>
           <a:p>
             <a:endParaRPr lang="zh-CN" altLang="en-US"/>
           </a:p>
@@ -2947,6 +2938,7 @@
         <p:spPr/>
         <p:txBody>
           <a:bodyPr/>
+          <a:lstStyle/>
           <a:p>
             <a:endParaRPr lang="zh-CN" altLang="en-US"/>
           </a:p>
@@ -2969,7 +2961,14 @@
         <p:cNvGrpSpPr/>
         <p:nvPr/>
       </p:nvGrpSpPr>
-      <p:grpSpPr/>
+      <p:grpSpPr>
+        <a:xfrm>
+          <a:off x="0" y="0"/>
+          <a:ext cx="0" cy="0"/>
+          <a:chOff x="0" y="0"/>
+          <a:chExt cx="0" cy="0"/>
+        </a:xfrm>
+      </p:grpSpPr>
       <p:sp>
         <p:nvSpPr>
           <p:cNvPr id="4" name="标题 3"/>
@@ -2988,6 +2987,7 @@
         </p:spPr>
         <p:txBody>
           <a:bodyPr/>
+          <a:lstStyle/>
           <a:p>
             <a:r>
               <a:rPr lang="zh-CN" altLang="en-US"/>
@@ -3001,7 +3001,6 @@
               <a:rPr lang="zh-CN" altLang="zh-CN"/>
               <a:t>天）</a:t>
             </a:r>
-            <a:endParaRPr lang="zh-CN" altLang="zh-CN"/>
           </a:p>
         </p:txBody>
       </p:sp>
@@ -3017,33 +3016,48 @@
         </p:nvSpPr>
         <p:spPr/>
         <p:txBody>
-          <a:bodyPr/>
-          <a:p>
-            <a:r>
-              <a:rPr lang="zh-CN" altLang="en-US"/>
+          <a:bodyPr>
+            <a:normAutofit lnSpcReduction="10000"/>
+          </a:bodyPr>
+          <a:lstStyle/>
+          <a:p>
+            <a:r>
+              <a:rPr lang="zh-CN" altLang="en-US" dirty="0"/>
               <a:t>更新时间：每天中午</a:t>
             </a:r>
             <a:r>
-              <a:rPr lang="en-US" altLang="zh-CN"/>
+              <a:rPr lang="en-US" altLang="zh-CN" dirty="0"/>
               <a:t>11</a:t>
             </a:r>
             <a:r>
-              <a:rPr lang="zh-CN" altLang="en-US"/>
+              <a:rPr lang="zh-CN" altLang="en-US" dirty="0"/>
               <a:t>：</a:t>
             </a:r>
             <a:r>
-              <a:rPr lang="en-US" altLang="zh-CN"/>
+              <a:rPr lang="en-US" altLang="zh-CN" dirty="0" smtClean="0"/>
               <a:t>00</a:t>
             </a:r>
-            <a:endParaRPr lang="en-US" altLang="zh-CN"/>
-          </a:p>
-          <a:p>
-            <a:r>
-              <a:rPr lang="zh-CN" altLang="en-US"/>
-              <a:t>下载范围：竞彩数据、北单数据、</a:t>
-            </a:r>
-            <a:r>
-              <a:rPr lang="zh-CN" altLang="en-US" u="sng">
+          </a:p>
+          <a:p>
+            <a:pPr>
+              <a:spcAft>
+                <a:spcPts val="600"/>
+              </a:spcAft>
+            </a:pPr>
+            <a:r>
+              <a:rPr lang="zh-CN" altLang="en-US" dirty="0" smtClean="0"/>
+              <a:t>更新目标：足彩网上开盘的比赛数据同，包含</a:t>
+            </a:r>
+            <a:r>
+              <a:rPr lang="zh-CN" altLang="en-US" dirty="0" smtClean="0"/>
+              <a:t>竞</a:t>
+            </a:r>
+            <a:r>
+              <a:rPr lang="zh-CN" altLang="en-US" dirty="0"/>
+              <a:t>彩数据、北单数据、</a:t>
+            </a:r>
+            <a:r>
+              <a:rPr lang="zh-CN" altLang="en-US" u="sng" dirty="0">
                 <a:solidFill>
                   <a:srgbClr val="FF0000"/>
                 </a:solidFill>
@@ -3051,10 +3065,9 @@
               <a:t>足彩数据（下一阶段）</a:t>
             </a:r>
             <a:r>
-              <a:rPr lang="zh-CN" altLang="en-US"/>
+              <a:rPr lang="zh-CN" altLang="en-US" dirty="0"/>
               <a:t>。</a:t>
             </a:r>
-            <a:endParaRPr lang="zh-CN" altLang="en-US"/>
           </a:p>
           <a:p>
             <a:pPr fontAlgn="auto">
@@ -3063,10 +3076,9 @@
               </a:spcAft>
             </a:pPr>
             <a:r>
-              <a:rPr lang="zh-CN" altLang="en-US"/>
+              <a:rPr lang="zh-CN" altLang="en-US" dirty="0"/>
               <a:t>下载内容：</a:t>
             </a:r>
-            <a:endParaRPr lang="zh-CN" altLang="en-US"/>
           </a:p>
           <a:p>
             <a:pPr lvl="1" algn="l" fontAlgn="auto">
@@ -3078,10 +3090,9 @@
               </a:spcAft>
             </a:pPr>
             <a:r>
-              <a:rPr lang="zh-CN" altLang="en-US" sz="2000"/>
+              <a:rPr lang="zh-CN" altLang="en-US" sz="2000" dirty="0"/>
               <a:t>欧赔数据</a:t>
             </a:r>
-            <a:endParaRPr lang="zh-CN" altLang="en-US" sz="2000"/>
           </a:p>
           <a:p>
             <a:pPr lvl="1" algn="l" fontAlgn="auto">
@@ -3093,10 +3104,9 @@
               </a:spcAft>
             </a:pPr>
             <a:r>
-              <a:rPr lang="zh-CN" altLang="en-US" sz="2000"/>
+              <a:rPr lang="zh-CN" altLang="en-US" sz="2000" dirty="0"/>
               <a:t>亚盘数据</a:t>
             </a:r>
-            <a:endParaRPr lang="zh-CN" altLang="en-US" sz="2000"/>
           </a:p>
           <a:p>
             <a:pPr lvl="1" algn="l" fontAlgn="auto">
@@ -3108,10 +3118,9 @@
               </a:spcAft>
             </a:pPr>
             <a:r>
-              <a:rPr lang="zh-CN" altLang="en-US" sz="2000"/>
+              <a:rPr lang="zh-CN" altLang="en-US" sz="2000" dirty="0"/>
               <a:t>大小球数据</a:t>
             </a:r>
-            <a:endParaRPr lang="zh-CN" altLang="en-US" sz="2000"/>
           </a:p>
           <a:p>
             <a:pPr lvl="1" algn="l" fontAlgn="auto">
@@ -3123,10 +3132,9 @@
               </a:spcAft>
             </a:pPr>
             <a:r>
-              <a:rPr lang="zh-CN" altLang="en-US" sz="2000"/>
+              <a:rPr lang="zh-CN" altLang="en-US" sz="2000" dirty="0"/>
               <a:t>比分数据</a:t>
             </a:r>
-            <a:endParaRPr lang="zh-CN" altLang="en-US" sz="2000"/>
           </a:p>
           <a:p>
             <a:pPr lvl="0" algn="l" fontAlgn="auto">
@@ -3138,10 +3146,9 @@
               </a:spcAft>
             </a:pPr>
             <a:r>
-              <a:rPr lang="zh-CN" altLang="en-US" sz="2330"/>
+              <a:rPr lang="zh-CN" altLang="en-US" sz="2330" dirty="0"/>
               <a:t>下载流程</a:t>
             </a:r>
-            <a:endParaRPr lang="zh-CN" altLang="en-US" sz="2330"/>
           </a:p>
           <a:p>
             <a:pPr lvl="1" algn="l" fontAlgn="auto">
@@ -3153,18 +3160,17 @@
               </a:spcAft>
             </a:pPr>
             <a:r>
-              <a:rPr lang="zh-CN" altLang="en-US" sz="1995"/>
+              <a:rPr lang="zh-CN" altLang="en-US" sz="1995" dirty="0"/>
               <a:t>北单页面、竞彩页面、</a:t>
             </a:r>
             <a:r>
-              <a:rPr lang="zh-CN" altLang="en-US" sz="1995" u="sng"/>
+              <a:rPr lang="zh-CN" altLang="en-US" sz="1995" u="sng" dirty="0"/>
               <a:t>足彩页面</a:t>
             </a:r>
             <a:r>
-              <a:rPr lang="zh-CN" altLang="en-US" sz="1995"/>
+              <a:rPr lang="zh-CN" altLang="en-US" sz="1995" dirty="0"/>
               <a:t>下载</a:t>
             </a:r>
-            <a:endParaRPr lang="zh-CN" altLang="en-US" sz="1995"/>
           </a:p>
           <a:p>
             <a:pPr lvl="1" algn="l" fontAlgn="auto">
@@ -3175,10 +3181,10 @@
                 <a:spcPts val="600"/>
               </a:spcAft>
             </a:pPr>
-            <a:endParaRPr lang="zh-CN" altLang="en-US"/>
-          </a:p>
-          <a:p>
-            <a:endParaRPr lang="zh-CN" altLang="en-US"/>
+            <a:endParaRPr lang="zh-CN" altLang="en-US" dirty="0"/>
+          </a:p>
+          <a:p>
+            <a:endParaRPr lang="zh-CN" altLang="en-US" dirty="0"/>
           </a:p>
         </p:txBody>
       </p:sp>
@@ -3199,7 +3205,14 @@
         <p:cNvGrpSpPr/>
         <p:nvPr/>
       </p:nvGrpSpPr>
-      <p:grpSpPr/>
+      <p:grpSpPr>
+        <a:xfrm>
+          <a:off x="0" y="0"/>
+          <a:ext cx="0" cy="0"/>
+          <a:chOff x="0" y="0"/>
+          <a:chExt cx="0" cy="0"/>
+        </a:xfrm>
+      </p:grpSpPr>
       <p:sp>
         <p:nvSpPr>
           <p:cNvPr id="2" name="标题 1"/>
@@ -3213,8 +3226,13 @@
         <p:spPr/>
         <p:txBody>
           <a:bodyPr/>
-          <a:p>
-            <a:endParaRPr lang="zh-CN" altLang="en-US"/>
+          <a:lstStyle/>
+          <a:p>
+            <a:r>
+              <a:rPr lang="zh-CN" altLang="en-US" dirty="0" smtClean="0"/>
+              <a:t>基础比赛数据下载</a:t>
+            </a:r>
+            <a:endParaRPr lang="zh-CN" altLang="en-US" dirty="0"/>
           </a:p>
         </p:txBody>
       </p:sp>
@@ -3231,8 +3249,97 @@
         <p:spPr/>
         <p:txBody>
           <a:bodyPr/>
-          <a:p>
-            <a:endParaRPr lang="zh-CN" altLang="en-US"/>
+          <a:lstStyle/>
+          <a:p>
+            <a:r>
+              <a:rPr lang="zh-CN" altLang="en-US" dirty="0" smtClean="0"/>
+              <a:t>更新时间：每周一</a:t>
+            </a:r>
+            <a:r>
+              <a:rPr lang="en-US" altLang="zh-CN" dirty="0" smtClean="0"/>
+              <a:t>12</a:t>
+            </a:r>
+            <a:r>
+              <a:rPr lang="zh-CN" altLang="en-US" dirty="0" smtClean="0"/>
+              <a:t>：</a:t>
+            </a:r>
+            <a:r>
+              <a:rPr lang="en-US" altLang="zh-CN" dirty="0" smtClean="0"/>
+              <a:t>00</a:t>
+            </a:r>
+            <a:r>
+              <a:rPr lang="zh-CN" altLang="en-US" dirty="0" smtClean="0"/>
+              <a:t>一次</a:t>
+            </a:r>
+            <a:endParaRPr lang="en-US" altLang="zh-CN" dirty="0" smtClean="0"/>
+          </a:p>
+          <a:p>
+            <a:r>
+              <a:rPr lang="zh-CN" altLang="en-US" dirty="0" smtClean="0"/>
+              <a:t>更新目标：每个联赛的近期</a:t>
+            </a:r>
+            <a:r>
+              <a:rPr lang="zh-CN" altLang="en-US" smtClean="0"/>
+              <a:t>比赛数据</a:t>
+            </a:r>
+            <a:endParaRPr lang="en-US" altLang="zh-CN" dirty="0" smtClean="0"/>
+          </a:p>
+          <a:p>
+            <a:r>
+              <a:rPr lang="zh-CN" altLang="en-US" dirty="0" smtClean="0"/>
+              <a:t>更新内容：</a:t>
+            </a:r>
+            <a:endParaRPr lang="en-US" altLang="zh-CN" dirty="0" smtClean="0"/>
+          </a:p>
+          <a:p>
+            <a:pPr lvl="1"/>
+            <a:r>
+              <a:rPr lang="zh-CN" altLang="en-US" sz="2000" dirty="0" smtClean="0"/>
+              <a:t>每个</a:t>
+            </a:r>
+            <a:r>
+              <a:rPr lang="zh-CN" altLang="en-US" sz="2000" dirty="0"/>
+              <a:t>联赛每一赛季、每一轮次的比赛数据</a:t>
+            </a:r>
+            <a:endParaRPr lang="en-US" altLang="zh-CN" sz="2000" dirty="0"/>
+          </a:p>
+          <a:p>
+            <a:pPr lvl="1"/>
+            <a:r>
+              <a:rPr lang="zh-CN" altLang="en-US" sz="2000" dirty="0"/>
+              <a:t>每场比赛的比赛结果数据</a:t>
+            </a:r>
+            <a:endParaRPr lang="en-US" altLang="zh-CN" sz="2000" dirty="0"/>
+          </a:p>
+          <a:p>
+            <a:r>
+              <a:rPr lang="zh-CN" altLang="en-US" dirty="0" smtClean="0"/>
+              <a:t>更新流程：</a:t>
+            </a:r>
+            <a:endParaRPr lang="en-US" altLang="zh-CN" dirty="0" smtClean="0"/>
+          </a:p>
+          <a:p>
+            <a:pPr lvl="1"/>
+            <a:r>
+              <a:rPr lang="zh-CN" altLang="en-US" sz="2000" dirty="0" smtClean="0"/>
+              <a:t>主页上下载当前的联赛信息数据</a:t>
+            </a:r>
+            <a:endParaRPr lang="en-US" altLang="zh-CN" sz="2000" dirty="0" smtClean="0"/>
+          </a:p>
+          <a:p>
+            <a:pPr lvl="1"/>
+            <a:r>
+              <a:rPr lang="zh-CN" altLang="en-US" sz="2000" dirty="0" smtClean="0"/>
+              <a:t>检测每一个数据联赛数据页面</a:t>
+            </a:r>
+            <a:endParaRPr lang="en-US" altLang="zh-CN" sz="2000" dirty="0" smtClean="0"/>
+          </a:p>
+          <a:p>
+            <a:pPr lvl="1"/>
+            <a:endParaRPr lang="en-US" altLang="zh-CN" sz="2000" dirty="0"/>
+          </a:p>
+          <a:p>
+            <a:endParaRPr lang="zh-CN" altLang="en-US" dirty="0"/>
           </a:p>
         </p:txBody>
       </p:sp>
@@ -3495,9 +3602,11 @@
       </a:bgFillStyleLst>
     </a:fmtScheme>
   </a:themeElements>
+  <a:objectDefaults/>
+  <a:extraClrSchemeLst/>
   <a:extLst>
     <a:ext uri="{05A4C25C-085E-4340-85A3-A5531E510DB2}">
-      <thm15:themeFamily xmlns:thm15="http://schemas.microsoft.com/office/thememl/2012/main" name="Office Theme" id="{62F939B6-93AF-4DB8-9C6B-D6C7DFDC589F}" vid="{4A3C46E8-61CC-4603-A589-7422A47A8E4A}"/>
+      <thm15:themeFamily xmlns:thm15="http://schemas.microsoft.com/office/thememl/2012/main" xmlns="" name="Office Theme" id="{62F939B6-93AF-4DB8-9C6B-D6C7DFDC589F}" vid="{4A3C46E8-61CC-4603-A589-7422A47A8E4A}"/>
     </a:ext>
   </a:extLst>
 </a:theme>

--- a/设计文档/设计图纸.pptx
+++ b/设计文档/设计图纸.pptx
@@ -5,9 +5,9 @@
     <p:sldMasterId id="2147483648" r:id="rId1"/>
   </p:sldMasterIdLst>
   <p:sldIdLst>
-    <p:sldId id="256" r:id="rId2"/>
-    <p:sldId id="257" r:id="rId3"/>
-    <p:sldId id="258" r:id="rId4"/>
+    <p:sldId id="256" r:id="rId3"/>
+    <p:sldId id="257" r:id="rId4"/>
+    <p:sldId id="258" r:id="rId5"/>
   </p:sldIdLst>
   <p:sldSz cx="12192000" cy="6858000"/>
   <p:notesSz cx="6858000" cy="9144000"/>
@@ -240,7 +240,6 @@
           <a:p>
             <a:fld id="{D997B5FA-0921-464F-AAE1-844C04324D75}" type="datetimeFigureOut">
               <a:rPr lang="zh-CN" altLang="en-US" smtClean="0"/>
-              <a:t>2019/2/5</a:t>
             </a:fld>
             <a:endParaRPr lang="zh-CN" altLang="en-US"/>
           </a:p>
@@ -282,7 +281,6 @@
           <a:p>
             <a:fld id="{565CE74E-AB26-4998-AD42-012C4C1AD076}" type="slidenum">
               <a:rPr lang="zh-CN" altLang="en-US" smtClean="0"/>
-              <a:t>‹#›</a:t>
             </a:fld>
             <a:endParaRPr lang="zh-CN" altLang="en-US"/>
           </a:p>
@@ -356,6 +354,7 @@
               <a:rPr lang="zh-CN" altLang="en-US" smtClean="0"/>
               <a:t>单击此处编辑母版文本样式</a:t>
             </a:r>
+            <a:endParaRPr lang="zh-CN" altLang="en-US" smtClean="0"/>
           </a:p>
           <a:p>
             <a:pPr lvl="1"/>
@@ -363,6 +362,7 @@
               <a:rPr lang="zh-CN" altLang="en-US" smtClean="0"/>
               <a:t>第二级</a:t>
             </a:r>
+            <a:endParaRPr lang="zh-CN" altLang="en-US" smtClean="0"/>
           </a:p>
           <a:p>
             <a:pPr lvl="2"/>
@@ -370,6 +370,7 @@
               <a:rPr lang="zh-CN" altLang="en-US" smtClean="0"/>
               <a:t>第三级</a:t>
             </a:r>
+            <a:endParaRPr lang="zh-CN" altLang="en-US" smtClean="0"/>
           </a:p>
           <a:p>
             <a:pPr lvl="3"/>
@@ -377,6 +378,7 @@
               <a:rPr lang="zh-CN" altLang="en-US" smtClean="0"/>
               <a:t>第四级</a:t>
             </a:r>
+            <a:endParaRPr lang="zh-CN" altLang="en-US" smtClean="0"/>
           </a:p>
           <a:p>
             <a:pPr lvl="4"/>
@@ -405,7 +407,6 @@
           <a:p>
             <a:fld id="{D997B5FA-0921-464F-AAE1-844C04324D75}" type="datetimeFigureOut">
               <a:rPr lang="zh-CN" altLang="en-US" smtClean="0"/>
-              <a:t>2019/2/5</a:t>
             </a:fld>
             <a:endParaRPr lang="zh-CN" altLang="en-US"/>
           </a:p>
@@ -447,7 +448,6 @@
           <a:p>
             <a:fld id="{565CE74E-AB26-4998-AD42-012C4C1AD076}" type="slidenum">
               <a:rPr lang="zh-CN" altLang="en-US" smtClean="0"/>
-              <a:t>‹#›</a:t>
             </a:fld>
             <a:endParaRPr lang="zh-CN" altLang="en-US"/>
           </a:p>
@@ -531,6 +531,7 @@
               <a:rPr lang="zh-CN" altLang="en-US" smtClean="0"/>
               <a:t>单击此处编辑母版文本样式</a:t>
             </a:r>
+            <a:endParaRPr lang="zh-CN" altLang="en-US" smtClean="0"/>
           </a:p>
           <a:p>
             <a:pPr lvl="1"/>
@@ -538,6 +539,7 @@
               <a:rPr lang="zh-CN" altLang="en-US" smtClean="0"/>
               <a:t>第二级</a:t>
             </a:r>
+            <a:endParaRPr lang="zh-CN" altLang="en-US" smtClean="0"/>
           </a:p>
           <a:p>
             <a:pPr lvl="2"/>
@@ -545,6 +547,7 @@
               <a:rPr lang="zh-CN" altLang="en-US" smtClean="0"/>
               <a:t>第三级</a:t>
             </a:r>
+            <a:endParaRPr lang="zh-CN" altLang="en-US" smtClean="0"/>
           </a:p>
           <a:p>
             <a:pPr lvl="3"/>
@@ -552,6 +555,7 @@
               <a:rPr lang="zh-CN" altLang="en-US" smtClean="0"/>
               <a:t>第四级</a:t>
             </a:r>
+            <a:endParaRPr lang="zh-CN" altLang="en-US" smtClean="0"/>
           </a:p>
           <a:p>
             <a:pPr lvl="4"/>
@@ -580,7 +584,6 @@
           <a:p>
             <a:fld id="{D997B5FA-0921-464F-AAE1-844C04324D75}" type="datetimeFigureOut">
               <a:rPr lang="zh-CN" altLang="en-US" smtClean="0"/>
-              <a:t>2019/2/5</a:t>
             </a:fld>
             <a:endParaRPr lang="zh-CN" altLang="en-US"/>
           </a:p>
@@ -622,7 +625,6 @@
           <a:p>
             <a:fld id="{565CE74E-AB26-4998-AD42-012C4C1AD076}" type="slidenum">
               <a:rPr lang="zh-CN" altLang="en-US" smtClean="0"/>
-              <a:t>‹#›</a:t>
             </a:fld>
             <a:endParaRPr lang="zh-CN" altLang="en-US"/>
           </a:p>
@@ -696,6 +698,7 @@
               <a:rPr lang="zh-CN" altLang="en-US" smtClean="0"/>
               <a:t>单击此处编辑母版文本样式</a:t>
             </a:r>
+            <a:endParaRPr lang="zh-CN" altLang="en-US" smtClean="0"/>
           </a:p>
           <a:p>
             <a:pPr lvl="1"/>
@@ -703,6 +706,7 @@
               <a:rPr lang="zh-CN" altLang="en-US" smtClean="0"/>
               <a:t>第二级</a:t>
             </a:r>
+            <a:endParaRPr lang="zh-CN" altLang="en-US" smtClean="0"/>
           </a:p>
           <a:p>
             <a:pPr lvl="2"/>
@@ -710,6 +714,7 @@
               <a:rPr lang="zh-CN" altLang="en-US" smtClean="0"/>
               <a:t>第三级</a:t>
             </a:r>
+            <a:endParaRPr lang="zh-CN" altLang="en-US" smtClean="0"/>
           </a:p>
           <a:p>
             <a:pPr lvl="3"/>
@@ -717,6 +722,7 @@
               <a:rPr lang="zh-CN" altLang="en-US" smtClean="0"/>
               <a:t>第四级</a:t>
             </a:r>
+            <a:endParaRPr lang="zh-CN" altLang="en-US" smtClean="0"/>
           </a:p>
           <a:p>
             <a:pPr lvl="4"/>
@@ -745,7 +751,6 @@
           <a:p>
             <a:fld id="{D997B5FA-0921-464F-AAE1-844C04324D75}" type="datetimeFigureOut">
               <a:rPr lang="zh-CN" altLang="en-US" smtClean="0"/>
-              <a:t>2019/2/5</a:t>
             </a:fld>
             <a:endParaRPr lang="zh-CN" altLang="en-US"/>
           </a:p>
@@ -787,7 +792,6 @@
           <a:p>
             <a:fld id="{565CE74E-AB26-4998-AD42-012C4C1AD076}" type="slidenum">
               <a:rPr lang="zh-CN" altLang="en-US" smtClean="0"/>
-              <a:t>‹#›</a:t>
             </a:fld>
             <a:endParaRPr lang="zh-CN" altLang="en-US"/>
           </a:p>
@@ -966,6 +970,7 @@
               <a:rPr lang="zh-CN" altLang="en-US" smtClean="0"/>
               <a:t>单击此处编辑母版文本样式</a:t>
             </a:r>
+            <a:endParaRPr lang="zh-CN" altLang="en-US" smtClean="0"/>
           </a:p>
         </p:txBody>
       </p:sp>
@@ -986,7 +991,6 @@
           <a:p>
             <a:fld id="{D997B5FA-0921-464F-AAE1-844C04324D75}" type="datetimeFigureOut">
               <a:rPr lang="zh-CN" altLang="en-US" smtClean="0"/>
-              <a:t>2019/2/5</a:t>
             </a:fld>
             <a:endParaRPr lang="zh-CN" altLang="en-US"/>
           </a:p>
@@ -1028,7 +1032,6 @@
           <a:p>
             <a:fld id="{565CE74E-AB26-4998-AD42-012C4C1AD076}" type="slidenum">
               <a:rPr lang="zh-CN" altLang="en-US" smtClean="0"/>
-              <a:t>‹#›</a:t>
             </a:fld>
             <a:endParaRPr lang="zh-CN" altLang="en-US"/>
           </a:p>
@@ -1107,6 +1110,7 @@
               <a:rPr lang="zh-CN" altLang="en-US" smtClean="0"/>
               <a:t>单击此处编辑母版文本样式</a:t>
             </a:r>
+            <a:endParaRPr lang="zh-CN" altLang="en-US" smtClean="0"/>
           </a:p>
           <a:p>
             <a:pPr lvl="1"/>
@@ -1114,6 +1118,7 @@
               <a:rPr lang="zh-CN" altLang="en-US" smtClean="0"/>
               <a:t>第二级</a:t>
             </a:r>
+            <a:endParaRPr lang="zh-CN" altLang="en-US" smtClean="0"/>
           </a:p>
           <a:p>
             <a:pPr lvl="2"/>
@@ -1121,6 +1126,7 @@
               <a:rPr lang="zh-CN" altLang="en-US" smtClean="0"/>
               <a:t>第三级</a:t>
             </a:r>
+            <a:endParaRPr lang="zh-CN" altLang="en-US" smtClean="0"/>
           </a:p>
           <a:p>
             <a:pPr lvl="3"/>
@@ -1128,6 +1134,7 @@
               <a:rPr lang="zh-CN" altLang="en-US" smtClean="0"/>
               <a:t>第四级</a:t>
             </a:r>
+            <a:endParaRPr lang="zh-CN" altLang="en-US" smtClean="0"/>
           </a:p>
           <a:p>
             <a:pPr lvl="4"/>
@@ -1164,6 +1171,7 @@
               <a:rPr lang="zh-CN" altLang="en-US" smtClean="0"/>
               <a:t>单击此处编辑母版文本样式</a:t>
             </a:r>
+            <a:endParaRPr lang="zh-CN" altLang="en-US" smtClean="0"/>
           </a:p>
           <a:p>
             <a:pPr lvl="1"/>
@@ -1171,6 +1179,7 @@
               <a:rPr lang="zh-CN" altLang="en-US" smtClean="0"/>
               <a:t>第二级</a:t>
             </a:r>
+            <a:endParaRPr lang="zh-CN" altLang="en-US" smtClean="0"/>
           </a:p>
           <a:p>
             <a:pPr lvl="2"/>
@@ -1178,6 +1187,7 @@
               <a:rPr lang="zh-CN" altLang="en-US" smtClean="0"/>
               <a:t>第三级</a:t>
             </a:r>
+            <a:endParaRPr lang="zh-CN" altLang="en-US" smtClean="0"/>
           </a:p>
           <a:p>
             <a:pPr lvl="3"/>
@@ -1185,6 +1195,7 @@
               <a:rPr lang="zh-CN" altLang="en-US" smtClean="0"/>
               <a:t>第四级</a:t>
             </a:r>
+            <a:endParaRPr lang="zh-CN" altLang="en-US" smtClean="0"/>
           </a:p>
           <a:p>
             <a:pPr lvl="4"/>
@@ -1213,7 +1224,6 @@
           <a:p>
             <a:fld id="{D997B5FA-0921-464F-AAE1-844C04324D75}" type="datetimeFigureOut">
               <a:rPr lang="zh-CN" altLang="en-US" smtClean="0"/>
-              <a:t>2019/2/5</a:t>
             </a:fld>
             <a:endParaRPr lang="zh-CN" altLang="en-US"/>
           </a:p>
@@ -1255,7 +1265,6 @@
           <a:p>
             <a:fld id="{565CE74E-AB26-4998-AD42-012C4C1AD076}" type="slidenum">
               <a:rPr lang="zh-CN" altLang="en-US" smtClean="0"/>
-              <a:t>‹#›</a:t>
             </a:fld>
             <a:endParaRPr lang="zh-CN" altLang="en-US"/>
           </a:p>
@@ -1376,6 +1385,7 @@
               <a:rPr lang="zh-CN" altLang="en-US" smtClean="0"/>
               <a:t>单击此处编辑母版文本样式</a:t>
             </a:r>
+            <a:endParaRPr lang="zh-CN" altLang="en-US" smtClean="0"/>
           </a:p>
         </p:txBody>
       </p:sp>
@@ -1404,6 +1414,7 @@
               <a:rPr lang="zh-CN" altLang="en-US" smtClean="0"/>
               <a:t>单击此处编辑母版文本样式</a:t>
             </a:r>
+            <a:endParaRPr lang="zh-CN" altLang="en-US" smtClean="0"/>
           </a:p>
           <a:p>
             <a:pPr lvl="1"/>
@@ -1411,6 +1422,7 @@
               <a:rPr lang="zh-CN" altLang="en-US" smtClean="0"/>
               <a:t>第二级</a:t>
             </a:r>
+            <a:endParaRPr lang="zh-CN" altLang="en-US" smtClean="0"/>
           </a:p>
           <a:p>
             <a:pPr lvl="2"/>
@@ -1418,6 +1430,7 @@
               <a:rPr lang="zh-CN" altLang="en-US" smtClean="0"/>
               <a:t>第三级</a:t>
             </a:r>
+            <a:endParaRPr lang="zh-CN" altLang="en-US" smtClean="0"/>
           </a:p>
           <a:p>
             <a:pPr lvl="3"/>
@@ -1425,6 +1438,7 @@
               <a:rPr lang="zh-CN" altLang="en-US" smtClean="0"/>
               <a:t>第四级</a:t>
             </a:r>
+            <a:endParaRPr lang="zh-CN" altLang="en-US" smtClean="0"/>
           </a:p>
           <a:p>
             <a:pPr lvl="4"/>
@@ -1498,6 +1512,7 @@
               <a:rPr lang="zh-CN" altLang="en-US" smtClean="0"/>
               <a:t>单击此处编辑母版文本样式</a:t>
             </a:r>
+            <a:endParaRPr lang="zh-CN" altLang="en-US" smtClean="0"/>
           </a:p>
         </p:txBody>
       </p:sp>
@@ -1526,6 +1541,7 @@
               <a:rPr lang="zh-CN" altLang="en-US" smtClean="0"/>
               <a:t>单击此处编辑母版文本样式</a:t>
             </a:r>
+            <a:endParaRPr lang="zh-CN" altLang="en-US" smtClean="0"/>
           </a:p>
           <a:p>
             <a:pPr lvl="1"/>
@@ -1533,6 +1549,7 @@
               <a:rPr lang="zh-CN" altLang="en-US" smtClean="0"/>
               <a:t>第二级</a:t>
             </a:r>
+            <a:endParaRPr lang="zh-CN" altLang="en-US" smtClean="0"/>
           </a:p>
           <a:p>
             <a:pPr lvl="2"/>
@@ -1540,6 +1557,7 @@
               <a:rPr lang="zh-CN" altLang="en-US" smtClean="0"/>
               <a:t>第三级</a:t>
             </a:r>
+            <a:endParaRPr lang="zh-CN" altLang="en-US" smtClean="0"/>
           </a:p>
           <a:p>
             <a:pPr lvl="3"/>
@@ -1547,6 +1565,7 @@
               <a:rPr lang="zh-CN" altLang="en-US" smtClean="0"/>
               <a:t>第四级</a:t>
             </a:r>
+            <a:endParaRPr lang="zh-CN" altLang="en-US" smtClean="0"/>
           </a:p>
           <a:p>
             <a:pPr lvl="4"/>
@@ -1575,7 +1594,6 @@
           <a:p>
             <a:fld id="{D997B5FA-0921-464F-AAE1-844C04324D75}" type="datetimeFigureOut">
               <a:rPr lang="zh-CN" altLang="en-US" smtClean="0"/>
-              <a:t>2019/2/5</a:t>
             </a:fld>
             <a:endParaRPr lang="zh-CN" altLang="en-US"/>
           </a:p>
@@ -1617,7 +1635,6 @@
           <a:p>
             <a:fld id="{565CE74E-AB26-4998-AD42-012C4C1AD076}" type="slidenum">
               <a:rPr lang="zh-CN" altLang="en-US" smtClean="0"/>
-              <a:t>‹#›</a:t>
             </a:fld>
             <a:endParaRPr lang="zh-CN" altLang="en-US"/>
           </a:p>
@@ -1688,7 +1705,6 @@
           <a:p>
             <a:fld id="{D997B5FA-0921-464F-AAE1-844C04324D75}" type="datetimeFigureOut">
               <a:rPr lang="zh-CN" altLang="en-US" smtClean="0"/>
-              <a:t>2019/2/5</a:t>
             </a:fld>
             <a:endParaRPr lang="zh-CN" altLang="en-US"/>
           </a:p>
@@ -1730,7 +1746,6 @@
           <a:p>
             <a:fld id="{565CE74E-AB26-4998-AD42-012C4C1AD076}" type="slidenum">
               <a:rPr lang="zh-CN" altLang="en-US" smtClean="0"/>
-              <a:t>‹#›</a:t>
             </a:fld>
             <a:endParaRPr lang="zh-CN" altLang="en-US"/>
           </a:p>
@@ -1778,7 +1793,6 @@
           <a:p>
             <a:fld id="{D997B5FA-0921-464F-AAE1-844C04324D75}" type="datetimeFigureOut">
               <a:rPr lang="zh-CN" altLang="en-US" smtClean="0"/>
-              <a:t>2019/2/5</a:t>
             </a:fld>
             <a:endParaRPr lang="zh-CN" altLang="en-US"/>
           </a:p>
@@ -1820,7 +1834,6 @@
           <a:p>
             <a:fld id="{565CE74E-AB26-4998-AD42-012C4C1AD076}" type="slidenum">
               <a:rPr lang="zh-CN" altLang="en-US" smtClean="0"/>
-              <a:t>‹#›</a:t>
             </a:fld>
             <a:endParaRPr lang="zh-CN" altLang="en-US"/>
           </a:p>
@@ -1936,6 +1949,7 @@
               <a:rPr lang="zh-CN" altLang="en-US" smtClean="0"/>
               <a:t>单击此处编辑母版文本样式</a:t>
             </a:r>
+            <a:endParaRPr lang="zh-CN" altLang="en-US" smtClean="0"/>
           </a:p>
           <a:p>
             <a:pPr lvl="1"/>
@@ -1943,6 +1957,7 @@
               <a:rPr lang="zh-CN" altLang="en-US" smtClean="0"/>
               <a:t>第二级</a:t>
             </a:r>
+            <a:endParaRPr lang="zh-CN" altLang="en-US" smtClean="0"/>
           </a:p>
           <a:p>
             <a:pPr lvl="2"/>
@@ -1950,6 +1965,7 @@
               <a:rPr lang="zh-CN" altLang="en-US" smtClean="0"/>
               <a:t>第三级</a:t>
             </a:r>
+            <a:endParaRPr lang="zh-CN" altLang="en-US" smtClean="0"/>
           </a:p>
           <a:p>
             <a:pPr lvl="3"/>
@@ -1957,6 +1973,7 @@
               <a:rPr lang="zh-CN" altLang="en-US" smtClean="0"/>
               <a:t>第四级</a:t>
             </a:r>
+            <a:endParaRPr lang="zh-CN" altLang="en-US" smtClean="0"/>
           </a:p>
           <a:p>
             <a:pPr lvl="4"/>
@@ -2030,6 +2047,7 @@
               <a:rPr lang="zh-CN" altLang="en-US" smtClean="0"/>
               <a:t>单击此处编辑母版文本样式</a:t>
             </a:r>
+            <a:endParaRPr lang="zh-CN" altLang="en-US" smtClean="0"/>
           </a:p>
         </p:txBody>
       </p:sp>
@@ -2050,7 +2068,6 @@
           <a:p>
             <a:fld id="{D997B5FA-0921-464F-AAE1-844C04324D75}" type="datetimeFigureOut">
               <a:rPr lang="zh-CN" altLang="en-US" smtClean="0"/>
-              <a:t>2019/2/5</a:t>
             </a:fld>
             <a:endParaRPr lang="zh-CN" altLang="en-US"/>
           </a:p>
@@ -2092,7 +2109,6 @@
           <a:p>
             <a:fld id="{565CE74E-AB26-4998-AD42-012C4C1AD076}" type="slidenum">
               <a:rPr lang="zh-CN" altLang="en-US" smtClean="0"/>
-              <a:t>‹#›</a:t>
             </a:fld>
             <a:endParaRPr lang="zh-CN" altLang="en-US"/>
           </a:p>
@@ -2278,6 +2294,7 @@
               <a:rPr lang="zh-CN" altLang="en-US" smtClean="0"/>
               <a:t>单击此处编辑母版文本样式</a:t>
             </a:r>
+            <a:endParaRPr lang="zh-CN" altLang="en-US" smtClean="0"/>
           </a:p>
         </p:txBody>
       </p:sp>
@@ -2298,7 +2315,6 @@
           <a:p>
             <a:fld id="{D997B5FA-0921-464F-AAE1-844C04324D75}" type="datetimeFigureOut">
               <a:rPr lang="zh-CN" altLang="en-US" smtClean="0"/>
-              <a:t>2019/2/5</a:t>
             </a:fld>
             <a:endParaRPr lang="zh-CN" altLang="en-US"/>
           </a:p>
@@ -2340,7 +2356,6 @@
           <a:p>
             <a:fld id="{565CE74E-AB26-4998-AD42-012C4C1AD076}" type="slidenum">
               <a:rPr lang="zh-CN" altLang="en-US" smtClean="0"/>
-              <a:t>‹#›</a:t>
             </a:fld>
             <a:endParaRPr lang="zh-CN" altLang="en-US"/>
           </a:p>
@@ -2439,6 +2454,7 @@
               <a:rPr lang="zh-CN" altLang="en-US" smtClean="0"/>
               <a:t>单击此处编辑母版文本样式</a:t>
             </a:r>
+            <a:endParaRPr lang="zh-CN" altLang="en-US" smtClean="0"/>
           </a:p>
           <a:p>
             <a:pPr lvl="1"/>
@@ -2446,6 +2462,7 @@
               <a:rPr lang="zh-CN" altLang="en-US" smtClean="0"/>
               <a:t>第二级</a:t>
             </a:r>
+            <a:endParaRPr lang="zh-CN" altLang="en-US" smtClean="0"/>
           </a:p>
           <a:p>
             <a:pPr lvl="2"/>
@@ -2453,6 +2470,7 @@
               <a:rPr lang="zh-CN" altLang="en-US" smtClean="0"/>
               <a:t>第三级</a:t>
             </a:r>
+            <a:endParaRPr lang="zh-CN" altLang="en-US" smtClean="0"/>
           </a:p>
           <a:p>
             <a:pPr lvl="3"/>
@@ -2460,6 +2478,7 @@
               <a:rPr lang="zh-CN" altLang="en-US" smtClean="0"/>
               <a:t>第四级</a:t>
             </a:r>
+            <a:endParaRPr lang="zh-CN" altLang="en-US" smtClean="0"/>
           </a:p>
           <a:p>
             <a:pPr lvl="4"/>
@@ -2506,7 +2525,6 @@
           <a:p>
             <a:fld id="{D997B5FA-0921-464F-AAE1-844C04324D75}" type="datetimeFigureOut">
               <a:rPr lang="zh-CN" altLang="en-US" smtClean="0"/>
-              <a:t>2019/2/5</a:t>
             </a:fld>
             <a:endParaRPr lang="zh-CN" altLang="en-US"/>
           </a:p>
@@ -2584,7 +2602,6 @@
           <a:p>
             <a:fld id="{565CE74E-AB26-4998-AD42-012C4C1AD076}" type="slidenum">
               <a:rPr lang="zh-CN" altLang="en-US" smtClean="0"/>
-              <a:t>‹#›</a:t>
             </a:fld>
             <a:endParaRPr lang="zh-CN" altLang="en-US"/>
           </a:p>
@@ -3001,6 +3018,7 @@
               <a:rPr lang="zh-CN" altLang="zh-CN"/>
               <a:t>天）</a:t>
             </a:r>
+            <a:endParaRPr lang="zh-CN" altLang="zh-CN"/>
           </a:p>
         </p:txBody>
       </p:sp>
@@ -3014,7 +3032,12 @@
             <p:ph idx="1"/>
           </p:nvPr>
         </p:nvSpPr>
-        <p:spPr/>
+        <p:spPr>
+          <a:xfrm>
+            <a:off x="838200" y="1825625"/>
+            <a:ext cx="10515600" cy="4704080"/>
+          </a:xfrm>
+        </p:spPr>
         <p:txBody>
           <a:bodyPr>
             <a:normAutofit lnSpcReduction="10000"/>
@@ -3037,6 +3060,7 @@
               <a:rPr lang="en-US" altLang="zh-CN" dirty="0" smtClean="0"/>
               <a:t>00</a:t>
             </a:r>
+            <a:endParaRPr lang="en-US" altLang="zh-CN" dirty="0" smtClean="0"/>
           </a:p>
           <a:p>
             <a:pPr>
@@ -3046,15 +3070,11 @@
             </a:pPr>
             <a:r>
               <a:rPr lang="zh-CN" altLang="en-US" dirty="0" smtClean="0"/>
-              <a:t>更新目标：足彩网上开盘的比赛数据同，包含</a:t>
-            </a:r>
-            <a:r>
-              <a:rPr lang="zh-CN" altLang="en-US" dirty="0" smtClean="0"/>
-              <a:t>竞</a:t>
+              <a:t>更新目标：足彩网上开盘的比赛数据同，包含竞</a:t>
             </a:r>
             <a:r>
               <a:rPr lang="zh-CN" altLang="en-US" dirty="0"/>
-              <a:t>彩数据、北单数据、</a:t>
+              <a:t>彩数据、竞彩比分、北单数据、北单比分、</a:t>
             </a:r>
             <a:r>
               <a:rPr lang="zh-CN" altLang="en-US" u="sng" dirty="0">
@@ -3068,6 +3088,7 @@
               <a:rPr lang="zh-CN" altLang="en-US" dirty="0"/>
               <a:t>。</a:t>
             </a:r>
+            <a:endParaRPr lang="zh-CN" altLang="en-US" dirty="0"/>
           </a:p>
           <a:p>
             <a:pPr fontAlgn="auto">
@@ -3079,6 +3100,7 @@
               <a:rPr lang="zh-CN" altLang="en-US" dirty="0"/>
               <a:t>下载内容：</a:t>
             </a:r>
+            <a:endParaRPr lang="zh-CN" altLang="en-US" dirty="0"/>
           </a:p>
           <a:p>
             <a:pPr lvl="1" algn="l" fontAlgn="auto">
@@ -3093,6 +3115,7 @@
               <a:rPr lang="zh-CN" altLang="en-US" sz="2000" dirty="0"/>
               <a:t>欧赔数据</a:t>
             </a:r>
+            <a:endParaRPr lang="zh-CN" altLang="en-US" sz="2000" dirty="0"/>
           </a:p>
           <a:p>
             <a:pPr lvl="1" algn="l" fontAlgn="auto">
@@ -3107,6 +3130,7 @@
               <a:rPr lang="zh-CN" altLang="en-US" sz="2000" dirty="0"/>
               <a:t>亚盘数据</a:t>
             </a:r>
+            <a:endParaRPr lang="zh-CN" altLang="en-US" sz="2000" dirty="0"/>
           </a:p>
           <a:p>
             <a:pPr lvl="1" algn="l" fontAlgn="auto">
@@ -3121,6 +3145,7 @@
               <a:rPr lang="zh-CN" altLang="en-US" sz="2000" dirty="0"/>
               <a:t>大小球数据</a:t>
             </a:r>
+            <a:endParaRPr lang="zh-CN" altLang="en-US" sz="2000" dirty="0"/>
           </a:p>
           <a:p>
             <a:pPr lvl="1" algn="l" fontAlgn="auto">
@@ -3135,6 +3160,7 @@
               <a:rPr lang="zh-CN" altLang="en-US" sz="2000" dirty="0"/>
               <a:t>比分数据</a:t>
             </a:r>
+            <a:endParaRPr lang="zh-CN" altLang="en-US" sz="2000" dirty="0"/>
           </a:p>
           <a:p>
             <a:pPr lvl="0" algn="l" fontAlgn="auto">
@@ -3149,6 +3175,7 @@
               <a:rPr lang="zh-CN" altLang="en-US" sz="2330" dirty="0"/>
               <a:t>下载流程</a:t>
             </a:r>
+            <a:endParaRPr lang="zh-CN" altLang="en-US" sz="2330" dirty="0"/>
           </a:p>
           <a:p>
             <a:pPr lvl="1" algn="l" fontAlgn="auto">
@@ -3171,6 +3198,7 @@
               <a:rPr lang="zh-CN" altLang="en-US" sz="1995" dirty="0"/>
               <a:t>下载</a:t>
             </a:r>
+            <a:endParaRPr lang="zh-CN" altLang="en-US" sz="1995" dirty="0"/>
           </a:p>
           <a:p>
             <a:pPr lvl="1" algn="l" fontAlgn="auto">
@@ -3602,11 +3630,9 @@
       </a:bgFillStyleLst>
     </a:fmtScheme>
   </a:themeElements>
-  <a:objectDefaults/>
-  <a:extraClrSchemeLst/>
   <a:extLst>
     <a:ext uri="{05A4C25C-085E-4340-85A3-A5531E510DB2}">
-      <thm15:themeFamily xmlns:thm15="http://schemas.microsoft.com/office/thememl/2012/main" xmlns="" name="Office Theme" id="{62F939B6-93AF-4DB8-9C6B-D6C7DFDC589F}" vid="{4A3C46E8-61CC-4603-A589-7422A47A8E4A}"/>
+      <thm15:themeFamily xmlns:thm15="http://schemas.microsoft.com/office/thememl/2012/main" name="Office Theme" id="{62F939B6-93AF-4DB8-9C6B-D6C7DFDC589F}" vid="{4A3C46E8-61CC-4603-A589-7422A47A8E4A}"/>
     </a:ext>
   </a:extLst>
 </a:theme>

--- a/设计文档/设计图纸.pptx
+++ b/设计文档/设计图纸.pptx
@@ -3297,6 +3297,22 @@
             </a:r>
             <a:r>
               <a:rPr lang="zh-CN" altLang="en-US" dirty="0" smtClean="0"/>
+              <a:t>一次、周三</a:t>
+            </a:r>
+            <a:r>
+              <a:rPr lang="en-US" altLang="zh-CN" dirty="0" smtClean="0"/>
+              <a:t>12</a:t>
+            </a:r>
+            <a:r>
+              <a:rPr lang="zh-CN" altLang="en-US" dirty="0" smtClean="0"/>
+              <a:t>：</a:t>
+            </a:r>
+            <a:r>
+              <a:rPr lang="en-US" altLang="zh-CN" dirty="0" smtClean="0"/>
+              <a:t>00</a:t>
+            </a:r>
+            <a:r>
+              <a:rPr lang="zh-CN" altLang="en-US" dirty="0" smtClean="0"/>
               <a:t>一次</a:t>
             </a:r>
             <a:endParaRPr lang="en-US" altLang="zh-CN" dirty="0" smtClean="0"/>

--- a/设计文档/设计图纸.pptx
+++ b/设计文档/设计图纸.pptx
@@ -8,6 +8,7 @@
     <p:sldId id="256" r:id="rId3"/>
     <p:sldId id="257" r:id="rId4"/>
     <p:sldId id="258" r:id="rId5"/>
+    <p:sldId id="259" r:id="rId6"/>
   </p:sldIdLst>
   <p:sldSz cx="12192000" cy="6858000"/>
   <p:notesSz cx="6858000" cy="9144000"/>
@@ -3395,6 +3396,282 @@
 </p:sld>
 </file>
 
+<file path=ppt/slides/slide4.xml><?xml version="1.0" encoding="utf-8"?>
+<p:sld xmlns:a="http://schemas.openxmlformats.org/drawingml/2006/main" xmlns:r="http://schemas.openxmlformats.org/officeDocument/2006/relationships" xmlns:p="http://schemas.openxmlformats.org/presentationml/2006/main">
+  <p:cSld>
+    <p:spTree>
+      <p:nvGrpSpPr>
+        <p:cNvPr id="1" name=""/>
+        <p:cNvGrpSpPr/>
+        <p:nvPr/>
+      </p:nvGrpSpPr>
+      <p:grpSpPr/>
+      <p:sp>
+        <p:nvSpPr>
+          <p:cNvPr id="2" name="标题 1"/>
+          <p:cNvSpPr>
+            <a:spLocks noGrp="1"/>
+          </p:cNvSpPr>
+          <p:nvPr>
+            <p:ph type="title"/>
+          </p:nvPr>
+        </p:nvSpPr>
+        <p:spPr/>
+        <p:txBody>
+          <a:bodyPr/>
+          <a:p>
+            <a:endParaRPr lang="zh-CN" altLang="en-US"/>
+          </a:p>
+        </p:txBody>
+      </p:sp>
+      <p:sp>
+        <p:nvSpPr>
+          <p:cNvPr id="3" name="内容占位符 2"/>
+          <p:cNvSpPr>
+            <a:spLocks noGrp="1"/>
+          </p:cNvSpPr>
+          <p:nvPr>
+            <p:ph idx="1"/>
+          </p:nvPr>
+        </p:nvSpPr>
+        <p:spPr>
+          <a:xfrm>
+            <a:off x="829945" y="1825625"/>
+            <a:ext cx="10515600" cy="4351338"/>
+          </a:xfrm>
+        </p:spPr>
+        <p:txBody>
+          <a:bodyPr/>
+          <a:p>
+            <a:pPr fontAlgn="auto">
+              <a:spcBef>
+                <a:spcPts val="1200"/>
+              </a:spcBef>
+            </a:pPr>
+            <a:r>
+              <a:rPr lang="zh-CN" altLang="en-US"/>
+              <a:t>比赛数据是否更新的计算公式：</a:t>
+            </a:r>
+            <a:endParaRPr lang="zh-CN" altLang="en-US"/>
+          </a:p>
+          <a:p>
+            <a:pPr lvl="1" fontAlgn="auto">
+              <a:spcBef>
+                <a:spcPts val="1200"/>
+              </a:spcBef>
+            </a:pPr>
+            <a:r>
+              <a:rPr lang="zh-CN" altLang="en-US"/>
+              <a:t>时间差值＝比赛时间－当前时间</a:t>
+            </a:r>
+            <a:endParaRPr lang="zh-CN" altLang="en-US"/>
+          </a:p>
+          <a:p>
+            <a:pPr lvl="1" fontAlgn="auto">
+              <a:spcBef>
+                <a:spcPts val="1200"/>
+              </a:spcBef>
+            </a:pPr>
+            <a:r>
+              <a:rPr lang="zh-CN" altLang="en-US"/>
+              <a:t>时间差值在</a:t>
+            </a:r>
+            <a:r>
+              <a:rPr lang="en-US" altLang="zh-CN"/>
+              <a:t>2</a:t>
+            </a:r>
+            <a:r>
+              <a:rPr lang="zh-CN" altLang="en-US"/>
+              <a:t>天以上的，更新周期为</a:t>
+            </a:r>
+            <a:r>
+              <a:rPr lang="en-US"/>
+              <a:t>24</a:t>
+            </a:r>
+            <a:r>
+              <a:rPr lang="zh-CN" altLang="en-US"/>
+              <a:t>小时</a:t>
+            </a:r>
+            <a:endParaRPr lang="zh-CN" altLang="en-US"/>
+          </a:p>
+          <a:p>
+            <a:pPr lvl="1" fontAlgn="auto">
+              <a:spcBef>
+                <a:spcPts val="1200"/>
+              </a:spcBef>
+            </a:pPr>
+            <a:r>
+              <a:rPr lang="zh-CN" altLang="en-US"/>
+              <a:t>时间差值在</a:t>
+            </a:r>
+            <a:r>
+              <a:rPr lang="en-US" altLang="zh-CN"/>
+              <a:t>1~2</a:t>
+            </a:r>
+            <a:r>
+              <a:rPr lang="zh-CN" altLang="en-US"/>
+              <a:t>天的，更新周期为</a:t>
+            </a:r>
+            <a:r>
+              <a:rPr lang="en-US" altLang="zh-CN"/>
+              <a:t>18</a:t>
+            </a:r>
+            <a:r>
+              <a:rPr lang="zh-CN" altLang="en-US"/>
+              <a:t>小时</a:t>
+            </a:r>
+            <a:endParaRPr lang="zh-CN" altLang="en-US"/>
+          </a:p>
+          <a:p>
+            <a:pPr lvl="1" fontAlgn="auto">
+              <a:spcBef>
+                <a:spcPts val="1200"/>
+              </a:spcBef>
+            </a:pPr>
+            <a:r>
+              <a:rPr lang="zh-CN" altLang="en-US"/>
+              <a:t>时间差值在</a:t>
+            </a:r>
+            <a:r>
+              <a:rPr lang="en-US" altLang="zh-CN"/>
+              <a:t>18~24</a:t>
+            </a:r>
+            <a:r>
+              <a:rPr lang="zh-CN" altLang="en-US"/>
+              <a:t>小时的，更新周期为</a:t>
+            </a:r>
+            <a:r>
+              <a:rPr lang="en-US" altLang="zh-CN"/>
+              <a:t>12</a:t>
+            </a:r>
+            <a:r>
+              <a:rPr lang="zh-CN" altLang="en-US"/>
+              <a:t>小时</a:t>
+            </a:r>
+            <a:endParaRPr lang="zh-CN" altLang="en-US"/>
+          </a:p>
+          <a:p>
+            <a:pPr lvl="1" fontAlgn="auto">
+              <a:spcBef>
+                <a:spcPts val="1200"/>
+              </a:spcBef>
+            </a:pPr>
+            <a:r>
+              <a:rPr lang="zh-CN" altLang="en-US"/>
+              <a:t>时间差值在</a:t>
+            </a:r>
+            <a:r>
+              <a:rPr lang="en-US" altLang="zh-CN"/>
+              <a:t>12~18</a:t>
+            </a:r>
+            <a:r>
+              <a:rPr lang="zh-CN" altLang="en-US"/>
+              <a:t>小时的，更新周期为</a:t>
+            </a:r>
+            <a:r>
+              <a:rPr lang="en-US" altLang="zh-CN"/>
+              <a:t>6</a:t>
+            </a:r>
+            <a:r>
+              <a:rPr lang="zh-CN" altLang="en-US"/>
+              <a:t>小时</a:t>
+            </a:r>
+            <a:endParaRPr lang="zh-CN" altLang="en-US"/>
+          </a:p>
+          <a:p>
+            <a:pPr lvl="1" fontAlgn="auto">
+              <a:spcBef>
+                <a:spcPts val="1200"/>
+              </a:spcBef>
+            </a:pPr>
+            <a:r>
+              <a:rPr lang="zh-CN" altLang="en-US"/>
+              <a:t>时间差值在</a:t>
+            </a:r>
+            <a:r>
+              <a:rPr lang="en-US" altLang="zh-CN"/>
+              <a:t>6~12</a:t>
+            </a:r>
+            <a:r>
+              <a:rPr lang="zh-CN" altLang="en-US"/>
+              <a:t>小时的，更新周期为</a:t>
+            </a:r>
+            <a:r>
+              <a:rPr lang="en-US" altLang="zh-CN"/>
+              <a:t>4</a:t>
+            </a:r>
+            <a:r>
+              <a:rPr lang="zh-CN" altLang="en-US"/>
+              <a:t>小时</a:t>
+            </a:r>
+            <a:endParaRPr lang="zh-CN" altLang="en-US"/>
+          </a:p>
+          <a:p>
+            <a:pPr lvl="1" fontAlgn="auto">
+              <a:spcBef>
+                <a:spcPts val="1200"/>
+              </a:spcBef>
+            </a:pPr>
+            <a:r>
+              <a:rPr lang="zh-CN" altLang="en-US"/>
+              <a:t>时间差值在</a:t>
+            </a:r>
+            <a:r>
+              <a:rPr lang="en-US" altLang="zh-CN"/>
+              <a:t>6</a:t>
+            </a:r>
+            <a:r>
+              <a:rPr lang="zh-CN" altLang="en-US"/>
+              <a:t>小时以内的，更新周期为</a:t>
+            </a:r>
+            <a:r>
+              <a:rPr lang="en-US" altLang="zh-CN"/>
+              <a:t>3</a:t>
+            </a:r>
+            <a:r>
+              <a:rPr lang="zh-CN" altLang="en-US"/>
+              <a:t>小时</a:t>
+            </a:r>
+            <a:endParaRPr lang="zh-CN" altLang="en-US"/>
+          </a:p>
+          <a:p>
+            <a:pPr lvl="1" fontAlgn="auto">
+              <a:spcBef>
+                <a:spcPts val="1200"/>
+              </a:spcBef>
+            </a:pPr>
+            <a:r>
+              <a:rPr lang="zh-CN" altLang="en-US"/>
+              <a:t>时间差值在</a:t>
+            </a:r>
+            <a:r>
+              <a:rPr lang="en-US" altLang="zh-CN"/>
+              <a:t>3</a:t>
+            </a:r>
+            <a:r>
+              <a:rPr lang="zh-CN" altLang="en-US"/>
+              <a:t>小时以内的，更新周期为</a:t>
+            </a:r>
+            <a:r>
+              <a:rPr lang="en-US" altLang="zh-CN"/>
+              <a:t>2</a:t>
+            </a:r>
+            <a:r>
+              <a:rPr lang="zh-CN" altLang="en-US"/>
+              <a:t>小时</a:t>
+            </a:r>
+            <a:endParaRPr lang="zh-CN" altLang="en-US"/>
+          </a:p>
+        </p:txBody>
+      </p:sp>
+    </p:spTree>
+  </p:cSld>
+  <p:clrMapOvr>
+    <a:masterClrMapping/>
+  </p:clrMapOvr>
+</p:sld>
+</file>
+
 <file path=ppt/theme/theme1.xml><?xml version="1.0" encoding="utf-8"?>
 <a:theme xmlns:a="http://schemas.openxmlformats.org/drawingml/2006/main" name="Office 主题">
   <a:themeElements>

--- a/设计文档/设计图纸.pptx
+++ b/设计文档/设计图纸.pptx
@@ -9,6 +9,7 @@
     <p:sldId id="257" r:id="rId4"/>
     <p:sldId id="258" r:id="rId5"/>
     <p:sldId id="259" r:id="rId6"/>
+    <p:sldId id="260" r:id="rId7"/>
   </p:sldIdLst>
   <p:sldSz cx="12192000" cy="6858000"/>
   <p:notesSz cx="6858000" cy="9144000"/>
@@ -3672,6 +3673,65 @@
 </p:sld>
 </file>
 
+<file path=ppt/slides/slide5.xml><?xml version="1.0" encoding="utf-8"?>
+<p:sld xmlns:a="http://schemas.openxmlformats.org/drawingml/2006/main" xmlns:r="http://schemas.openxmlformats.org/officeDocument/2006/relationships" xmlns:p="http://schemas.openxmlformats.org/presentationml/2006/main">
+  <p:cSld>
+    <p:spTree>
+      <p:nvGrpSpPr>
+        <p:cNvPr id="1" name=""/>
+        <p:cNvGrpSpPr/>
+        <p:nvPr/>
+      </p:nvGrpSpPr>
+      <p:grpSpPr/>
+      <p:sp>
+        <p:nvSpPr>
+          <p:cNvPr id="2" name="标题 1"/>
+          <p:cNvSpPr>
+            <a:spLocks noGrp="1"/>
+          </p:cNvSpPr>
+          <p:nvPr>
+            <p:ph type="title"/>
+          </p:nvPr>
+        </p:nvSpPr>
+        <p:spPr/>
+        <p:txBody>
+          <a:bodyPr/>
+          <a:p>
+            <a:pPr algn="ctr"/>
+            <a:r>
+              <a:rPr lang="zh-CN" altLang="en-US" sz="3600"/>
+              <a:t>比赛概率的排序</a:t>
+            </a:r>
+            <a:endParaRPr lang="zh-CN" altLang="en-US" sz="3600"/>
+          </a:p>
+        </p:txBody>
+      </p:sp>
+      <p:sp>
+        <p:nvSpPr>
+          <p:cNvPr id="3" name="文本占位符 2"/>
+          <p:cNvSpPr>
+            <a:spLocks noGrp="1"/>
+          </p:cNvSpPr>
+          <p:nvPr>
+            <p:ph type="body" idx="1"/>
+          </p:nvPr>
+        </p:nvSpPr>
+        <p:spPr/>
+        <p:txBody>
+          <a:bodyPr/>
+          <a:p>
+            <a:endParaRPr lang="zh-CN" altLang="en-US"/>
+          </a:p>
+        </p:txBody>
+      </p:sp>
+    </p:spTree>
+  </p:cSld>
+  <p:clrMapOvr>
+    <a:masterClrMapping/>
+  </p:clrMapOvr>
+</p:sld>
+</file>
+
 <file path=ppt/theme/theme1.xml><?xml version="1.0" encoding="utf-8"?>
 <a:theme xmlns:a="http://schemas.openxmlformats.org/drawingml/2006/main" name="Office 主题">
   <a:themeElements>

--- a/设计文档/设计图纸.pptx
+++ b/设计文档/设计图纸.pptx
@@ -10,6 +10,8 @@
     <p:sldId id="258" r:id="rId5"/>
     <p:sldId id="259" r:id="rId6"/>
     <p:sldId id="260" r:id="rId7"/>
+    <p:sldId id="261" r:id="rId8"/>
+    <p:sldId id="263" r:id="rId9"/>
   </p:sldIdLst>
   <p:sldSz cx="12192000" cy="6858000"/>
   <p:notesSz cx="6858000" cy="9144000"/>
@@ -3732,6 +3734,539 @@
 </p:sld>
 </file>
 
+<file path=ppt/slides/slide6.xml><?xml version="1.0" encoding="utf-8"?>
+<p:sld xmlns:a="http://schemas.openxmlformats.org/drawingml/2006/main" xmlns:r="http://schemas.openxmlformats.org/officeDocument/2006/relationships" xmlns:p="http://schemas.openxmlformats.org/presentationml/2006/main">
+  <p:cSld>
+    <p:spTree>
+      <p:nvGrpSpPr>
+        <p:cNvPr id="1" name=""/>
+        <p:cNvGrpSpPr/>
+        <p:nvPr/>
+      </p:nvGrpSpPr>
+      <p:grpSpPr/>
+      <p:sp>
+        <p:nvSpPr>
+          <p:cNvPr id="2" name="标题 1"/>
+          <p:cNvSpPr>
+            <a:spLocks noGrp="1"/>
+          </p:cNvSpPr>
+          <p:nvPr>
+            <p:ph type="title"/>
+          </p:nvPr>
+        </p:nvSpPr>
+        <p:spPr/>
+        <p:txBody>
+          <a:bodyPr/>
+          <a:p>
+            <a:endParaRPr lang="zh-CN" altLang="en-US"/>
+          </a:p>
+        </p:txBody>
+      </p:sp>
+      <p:sp>
+        <p:nvSpPr>
+          <p:cNvPr id="3" name="文本占位符 2"/>
+          <p:cNvSpPr>
+            <a:spLocks noGrp="1"/>
+          </p:cNvSpPr>
+          <p:nvPr>
+            <p:ph type="body" idx="1"/>
+          </p:nvPr>
+        </p:nvSpPr>
+        <p:spPr/>
+        <p:txBody>
+          <a:bodyPr/>
+          <a:p>
+            <a:endParaRPr lang="zh-CN" altLang="en-US"/>
+          </a:p>
+        </p:txBody>
+      </p:sp>
+    </p:spTree>
+  </p:cSld>
+  <p:clrMapOvr>
+    <a:masterClrMapping/>
+  </p:clrMapOvr>
+</p:sld>
+</file>
+
+<file path=ppt/slides/slide7.xml><?xml version="1.0" encoding="utf-8"?>
+<p:sld xmlns:a="http://schemas.openxmlformats.org/drawingml/2006/main" xmlns:r="http://schemas.openxmlformats.org/officeDocument/2006/relationships" xmlns:p="http://schemas.openxmlformats.org/presentationml/2006/main">
+  <p:cSld>
+    <p:spTree>
+      <p:nvGrpSpPr>
+        <p:cNvPr id="1" name=""/>
+        <p:cNvGrpSpPr/>
+        <p:nvPr/>
+      </p:nvGrpSpPr>
+      <p:grpSpPr/>
+      <p:sp>
+        <p:nvSpPr>
+          <p:cNvPr id="2" name="标题 1"/>
+          <p:cNvSpPr>
+            <a:spLocks noGrp="1"/>
+          </p:cNvSpPr>
+          <p:nvPr/>
+        </p:nvSpPr>
+        <p:spPr>
+          <a:xfrm>
+            <a:off x="838200" y="179705"/>
+            <a:ext cx="10515600" cy="876935"/>
+          </a:xfrm>
+          <a:prstGeom prst="rect">
+            <a:avLst/>
+          </a:prstGeom>
+        </p:spPr>
+        <p:txBody>
+          <a:bodyPr vert="horz" lIns="91440" tIns="45720" rIns="91440" bIns="45720" rtlCol="0" anchor="ctr">
+            <a:normAutofit/>
+          </a:bodyPr>
+          <a:lstStyle>
+            <a:lvl1pPr algn="l" defTabSz="914400" rtl="0" eaLnBrk="1" latinLnBrk="0" hangingPunct="1">
+              <a:lnSpc>
+                <a:spcPct val="90000"/>
+              </a:lnSpc>
+              <a:spcBef>
+                <a:spcPct val="0"/>
+              </a:spcBef>
+              <a:buNone/>
+              <a:defRPr sz="4400" kern="1200">
+                <a:solidFill>
+                  <a:schemeClr val="tx1"/>
+                </a:solidFill>
+                <a:latin typeface="+mj-lt"/>
+                <a:ea typeface="+mj-ea"/>
+                <a:cs typeface="+mj-cs"/>
+              </a:defRPr>
+            </a:lvl1pPr>
+          </a:lstStyle>
+          <a:p>
+            <a:r>
+              <a:rPr lang="zh-CN" altLang="en-US"/>
+              <a:t>实力评价系统</a:t>
+            </a:r>
+            <a:endParaRPr lang="zh-CN" altLang="en-US"/>
+          </a:p>
+        </p:txBody>
+      </p:sp>
+      <p:sp>
+        <p:nvSpPr>
+          <p:cNvPr id="3" name="内容占位符 2"/>
+          <p:cNvSpPr>
+            <a:spLocks noGrp="1"/>
+          </p:cNvSpPr>
+          <p:nvPr/>
+        </p:nvSpPr>
+        <p:spPr>
+          <a:xfrm>
+            <a:off x="838200" y="1155700"/>
+            <a:ext cx="10515600" cy="5259705"/>
+          </a:xfrm>
+          <a:prstGeom prst="rect">
+            <a:avLst/>
+          </a:prstGeom>
+        </p:spPr>
+        <p:txBody>
+          <a:bodyPr vert="horz" lIns="91440" tIns="45720" rIns="91440" bIns="45720" rtlCol="0">
+            <a:normAutofit lnSpcReduction="10000"/>
+          </a:bodyPr>
+          <a:lstStyle>
+            <a:lvl1pPr marL="228600" indent="-228600" algn="l" defTabSz="914400" rtl="0" eaLnBrk="1" latinLnBrk="0" hangingPunct="1">
+              <a:lnSpc>
+                <a:spcPct val="90000"/>
+              </a:lnSpc>
+              <a:spcBef>
+                <a:spcPts val="1000"/>
+              </a:spcBef>
+              <a:buFont typeface="Arial" panose="020B0604020202020204" pitchFamily="34" charset="0"/>
+              <a:buChar char="•"/>
+              <a:defRPr sz="2800" kern="1200">
+                <a:solidFill>
+                  <a:schemeClr val="tx1"/>
+                </a:solidFill>
+                <a:latin typeface="+mn-lt"/>
+                <a:ea typeface="+mn-ea"/>
+                <a:cs typeface="+mn-cs"/>
+              </a:defRPr>
+            </a:lvl1pPr>
+            <a:lvl2pPr marL="685800" indent="-228600" algn="l" defTabSz="914400" rtl="0" eaLnBrk="1" latinLnBrk="0" hangingPunct="1">
+              <a:lnSpc>
+                <a:spcPct val="90000"/>
+              </a:lnSpc>
+              <a:spcBef>
+                <a:spcPts val="500"/>
+              </a:spcBef>
+              <a:buFont typeface="Arial" panose="020B0604020202020204" pitchFamily="34" charset="0"/>
+              <a:buChar char="•"/>
+              <a:defRPr sz="2400" kern="1200">
+                <a:solidFill>
+                  <a:schemeClr val="tx1"/>
+                </a:solidFill>
+                <a:latin typeface="+mn-lt"/>
+                <a:ea typeface="+mn-ea"/>
+                <a:cs typeface="+mn-cs"/>
+              </a:defRPr>
+            </a:lvl2pPr>
+            <a:lvl3pPr marL="1143000" indent="-228600" algn="l" defTabSz="914400" rtl="0" eaLnBrk="1" latinLnBrk="0" hangingPunct="1">
+              <a:lnSpc>
+                <a:spcPct val="90000"/>
+              </a:lnSpc>
+              <a:spcBef>
+                <a:spcPts val="500"/>
+              </a:spcBef>
+              <a:buFont typeface="Arial" panose="020B0604020202020204" pitchFamily="34" charset="0"/>
+              <a:buChar char="•"/>
+              <a:defRPr sz="2000" kern="1200">
+                <a:solidFill>
+                  <a:schemeClr val="tx1"/>
+                </a:solidFill>
+                <a:latin typeface="+mn-lt"/>
+                <a:ea typeface="+mn-ea"/>
+                <a:cs typeface="+mn-cs"/>
+              </a:defRPr>
+            </a:lvl3pPr>
+            <a:lvl4pPr marL="1600200" indent="-228600" algn="l" defTabSz="914400" rtl="0" eaLnBrk="1" latinLnBrk="0" hangingPunct="1">
+              <a:lnSpc>
+                <a:spcPct val="90000"/>
+              </a:lnSpc>
+              <a:spcBef>
+                <a:spcPts val="500"/>
+              </a:spcBef>
+              <a:buFont typeface="Arial" panose="020B0604020202020204" pitchFamily="34" charset="0"/>
+              <a:buChar char="•"/>
+              <a:defRPr sz="1800" kern="1200">
+                <a:solidFill>
+                  <a:schemeClr val="tx1"/>
+                </a:solidFill>
+                <a:latin typeface="+mn-lt"/>
+                <a:ea typeface="+mn-ea"/>
+                <a:cs typeface="+mn-cs"/>
+              </a:defRPr>
+            </a:lvl4pPr>
+            <a:lvl5pPr marL="2057400" indent="-228600" algn="l" defTabSz="914400" rtl="0" eaLnBrk="1" latinLnBrk="0" hangingPunct="1">
+              <a:lnSpc>
+                <a:spcPct val="90000"/>
+              </a:lnSpc>
+              <a:spcBef>
+                <a:spcPts val="500"/>
+              </a:spcBef>
+              <a:buFont typeface="Arial" panose="020B0604020202020204" pitchFamily="34" charset="0"/>
+              <a:buChar char="•"/>
+              <a:defRPr sz="1800" kern="1200">
+                <a:solidFill>
+                  <a:schemeClr val="tx1"/>
+                </a:solidFill>
+                <a:latin typeface="+mn-lt"/>
+                <a:ea typeface="+mn-ea"/>
+                <a:cs typeface="+mn-cs"/>
+              </a:defRPr>
+            </a:lvl5pPr>
+            <a:lvl6pPr marL="2514600" indent="-228600" algn="l" defTabSz="914400" rtl="0" eaLnBrk="1" latinLnBrk="0" hangingPunct="1">
+              <a:lnSpc>
+                <a:spcPct val="90000"/>
+              </a:lnSpc>
+              <a:spcBef>
+                <a:spcPts val="500"/>
+              </a:spcBef>
+              <a:buFont typeface="Arial" panose="020B0604020202020204" pitchFamily="34" charset="0"/>
+              <a:buChar char="•"/>
+              <a:defRPr sz="1800" kern="1200">
+                <a:solidFill>
+                  <a:schemeClr val="tx1"/>
+                </a:solidFill>
+                <a:latin typeface="+mn-lt"/>
+                <a:ea typeface="+mn-ea"/>
+                <a:cs typeface="+mn-cs"/>
+              </a:defRPr>
+            </a:lvl6pPr>
+            <a:lvl7pPr marL="2971800" indent="-228600" algn="l" defTabSz="914400" rtl="0" eaLnBrk="1" latinLnBrk="0" hangingPunct="1">
+              <a:lnSpc>
+                <a:spcPct val="90000"/>
+              </a:lnSpc>
+              <a:spcBef>
+                <a:spcPts val="500"/>
+              </a:spcBef>
+              <a:buFont typeface="Arial" panose="020B0604020202020204" pitchFamily="34" charset="0"/>
+              <a:buChar char="•"/>
+              <a:defRPr sz="1800" kern="1200">
+                <a:solidFill>
+                  <a:schemeClr val="tx1"/>
+                </a:solidFill>
+                <a:latin typeface="+mn-lt"/>
+                <a:ea typeface="+mn-ea"/>
+                <a:cs typeface="+mn-cs"/>
+              </a:defRPr>
+            </a:lvl7pPr>
+            <a:lvl8pPr marL="3429000" indent="-228600" algn="l" defTabSz="914400" rtl="0" eaLnBrk="1" latinLnBrk="0" hangingPunct="1">
+              <a:lnSpc>
+                <a:spcPct val="90000"/>
+              </a:lnSpc>
+              <a:spcBef>
+                <a:spcPts val="500"/>
+              </a:spcBef>
+              <a:buFont typeface="Arial" panose="020B0604020202020204" pitchFamily="34" charset="0"/>
+              <a:buChar char="•"/>
+              <a:defRPr sz="1800" kern="1200">
+                <a:solidFill>
+                  <a:schemeClr val="tx1"/>
+                </a:solidFill>
+                <a:latin typeface="+mn-lt"/>
+                <a:ea typeface="+mn-ea"/>
+                <a:cs typeface="+mn-cs"/>
+              </a:defRPr>
+            </a:lvl8pPr>
+            <a:lvl9pPr marL="3886200" indent="-228600" algn="l" defTabSz="914400" rtl="0" eaLnBrk="1" latinLnBrk="0" hangingPunct="1">
+              <a:lnSpc>
+                <a:spcPct val="90000"/>
+              </a:lnSpc>
+              <a:spcBef>
+                <a:spcPts val="500"/>
+              </a:spcBef>
+              <a:buFont typeface="Arial" panose="020B0604020202020204" pitchFamily="34" charset="0"/>
+              <a:buChar char="•"/>
+              <a:defRPr sz="1800" kern="1200">
+                <a:solidFill>
+                  <a:schemeClr val="tx1"/>
+                </a:solidFill>
+                <a:latin typeface="+mn-lt"/>
+                <a:ea typeface="+mn-ea"/>
+                <a:cs typeface="+mn-cs"/>
+              </a:defRPr>
+            </a:lvl9pPr>
+          </a:lstStyle>
+          <a:p>
+            <a:pPr marL="0" indent="0" fontAlgn="auto">
+              <a:spcBef>
+                <a:spcPts val="1200"/>
+              </a:spcBef>
+              <a:buNone/>
+            </a:pPr>
+            <a:r>
+              <a:rPr lang="zh-CN" altLang="en-US">
+                <a:sym typeface="+mn-ea"/>
+              </a:rPr>
+              <a:t>球队实力计算方法：</a:t>
+            </a:r>
+            <a:endParaRPr lang="zh-CN" altLang="en-US"/>
+          </a:p>
+          <a:p>
+            <a:pPr fontAlgn="auto">
+              <a:spcBef>
+                <a:spcPts val="1200"/>
+              </a:spcBef>
+            </a:pPr>
+            <a:r>
+              <a:rPr lang="en-US" altLang="zh-CN">
+                <a:sym typeface="+mn-ea"/>
+              </a:rPr>
+              <a:t>1</a:t>
+            </a:r>
+            <a:r>
+              <a:rPr lang="zh-CN" altLang="en-US">
+                <a:sym typeface="+mn-ea"/>
+              </a:rPr>
+              <a:t>、球队实力基准数：</a:t>
+            </a:r>
+            <a:r>
+              <a:rPr lang="en-US" altLang="zh-CN">
+                <a:sym typeface="+mn-ea"/>
+              </a:rPr>
+              <a:t>capability</a:t>
+            </a:r>
+            <a:endParaRPr lang="en-US" altLang="zh-CN"/>
+          </a:p>
+          <a:p>
+            <a:pPr fontAlgn="auto">
+              <a:spcBef>
+                <a:spcPts val="1200"/>
+              </a:spcBef>
+            </a:pPr>
+            <a:r>
+              <a:rPr lang="en-US" altLang="zh-CN">
+                <a:sym typeface="+mn-ea"/>
+              </a:rPr>
+              <a:t>2</a:t>
+            </a:r>
+            <a:r>
+              <a:rPr lang="zh-CN" altLang="en-US">
+                <a:sym typeface="+mn-ea"/>
+              </a:rPr>
+              <a:t>、每进行一场比赛，放入奖金池</a:t>
+            </a:r>
+            <a:r>
+              <a:rPr lang="en-US" altLang="zh-CN">
+                <a:sym typeface="+mn-ea"/>
+              </a:rPr>
+              <a:t>(Kitty</a:t>
+            </a:r>
+            <a:r>
+              <a:rPr lang="zh-CN" altLang="zh-CN">
+                <a:sym typeface="+mn-ea"/>
+              </a:rPr>
+              <a:t>值</a:t>
+            </a:r>
+            <a:r>
+              <a:rPr lang="en-US" altLang="zh-CN">
+                <a:sym typeface="+mn-ea"/>
+              </a:rPr>
+              <a:t>)</a:t>
+            </a:r>
+            <a:r>
+              <a:rPr lang="zh-CN" altLang="en-US">
+                <a:sym typeface="+mn-ea"/>
+              </a:rPr>
+              <a:t>，其</a:t>
+            </a:r>
+            <a:r>
+              <a:rPr lang="en-US" altLang="zh-CN">
+                <a:sym typeface="+mn-ea"/>
+              </a:rPr>
+              <a:t>kitty</a:t>
+            </a:r>
+            <a:r>
+              <a:rPr lang="zh-CN" altLang="zh-CN">
+                <a:sym typeface="+mn-ea"/>
+              </a:rPr>
+              <a:t>参</a:t>
+            </a:r>
+            <a:r>
+              <a:rPr lang="zh-CN" altLang="zh-CN">
+                <a:sym typeface="+mn-ea"/>
+              </a:rPr>
+              <a:t>数：</a:t>
+            </a:r>
+            <a:endParaRPr lang="zh-CN" altLang="zh-CN">
+              <a:sym typeface="+mn-ea"/>
+            </a:endParaRPr>
+          </a:p>
+          <a:p>
+            <a:pPr lvl="1" fontAlgn="auto">
+              <a:spcBef>
+                <a:spcPts val="1200"/>
+              </a:spcBef>
+            </a:pPr>
+            <a:r>
+              <a:rPr lang="zh-CN" altLang="en-US"/>
+              <a:t>主队：</a:t>
+            </a:r>
+            <a:r>
+              <a:rPr lang="en-US" altLang="zh-CN"/>
+              <a:t>kittyHome</a:t>
+            </a:r>
+            <a:endParaRPr lang="en-US" altLang="zh-CN"/>
+          </a:p>
+          <a:p>
+            <a:pPr lvl="1" fontAlgn="auto">
+              <a:spcBef>
+                <a:spcPts val="1200"/>
+              </a:spcBef>
+            </a:pPr>
+            <a:r>
+              <a:rPr lang="zh-CN" altLang="zh-CN"/>
+              <a:t>客队：</a:t>
+            </a:r>
+            <a:r>
+              <a:rPr lang="en-US" altLang="zh-CN"/>
+              <a:t>kittyClient</a:t>
+            </a:r>
+            <a:endParaRPr lang="en-US" altLang="zh-CN"/>
+          </a:p>
+          <a:p>
+            <a:pPr lvl="0" fontAlgn="auto">
+              <a:spcBef>
+                <a:spcPts val="1200"/>
+              </a:spcBef>
+            </a:pPr>
+            <a:r>
+              <a:rPr lang="en-US" altLang="zh-CN"/>
+              <a:t>3</a:t>
+            </a:r>
+            <a:r>
+              <a:rPr lang="zh-CN" altLang="zh-CN"/>
+              <a:t>、球队比赛之后的实力计算值：</a:t>
+            </a:r>
+            <a:endParaRPr lang="zh-CN" altLang="zh-CN"/>
+          </a:p>
+          <a:p>
+            <a:pPr lvl="1" fontAlgn="auto">
+              <a:spcBef>
+                <a:spcPts val="1200"/>
+              </a:spcBef>
+            </a:pPr>
+            <a:r>
+              <a:rPr lang="zh-CN" altLang="zh-CN"/>
+              <a:t>胜： </a:t>
+            </a:r>
+            <a:r>
+              <a:rPr lang="en-US" altLang="zh-CN"/>
+              <a:t>+ kittyHome + kittyClient</a:t>
+            </a:r>
+            <a:endParaRPr lang="en-US" altLang="zh-CN"/>
+          </a:p>
+          <a:p>
+            <a:pPr lvl="1" fontAlgn="auto">
+              <a:spcBef>
+                <a:spcPts val="1200"/>
+              </a:spcBef>
+            </a:pPr>
+            <a:r>
+              <a:rPr lang="zh-CN" altLang="zh-CN"/>
+              <a:t>平： </a:t>
+            </a:r>
+            <a:r>
+              <a:rPr lang="en-US" altLang="zh-CN"/>
+              <a:t>+ (</a:t>
+            </a:r>
+            <a:r>
+              <a:rPr lang="en-US" altLang="zh-CN">
+                <a:sym typeface="+mn-ea"/>
+              </a:rPr>
+              <a:t>kittyHome + kittyClient) / 2</a:t>
+            </a:r>
+            <a:endParaRPr lang="en-US" altLang="zh-CN">
+              <a:sym typeface="+mn-ea"/>
+            </a:endParaRPr>
+          </a:p>
+          <a:p>
+            <a:pPr lvl="1" fontAlgn="auto">
+              <a:spcBef>
+                <a:spcPts val="1200"/>
+              </a:spcBef>
+            </a:pPr>
+            <a:r>
+              <a:rPr lang="zh-CN" altLang="zh-CN"/>
+              <a:t>负： </a:t>
+            </a:r>
+            <a:r>
+              <a:rPr lang="en-US" altLang="zh-CN"/>
+              <a:t>+ 0</a:t>
+            </a:r>
+            <a:endParaRPr lang="en-US" altLang="zh-CN"/>
+          </a:p>
+          <a:p>
+            <a:pPr lvl="0" fontAlgn="auto">
+              <a:spcBef>
+                <a:spcPts val="1200"/>
+              </a:spcBef>
+            </a:pPr>
+            <a:r>
+              <a:rPr lang="en-US" altLang="zh-CN"/>
+              <a:t>4</a:t>
+            </a:r>
+            <a:r>
+              <a:rPr lang="zh-CN" altLang="en-US"/>
+              <a:t>、所有的计算结果计算完成</a:t>
+            </a:r>
+            <a:endParaRPr lang="zh-CN" altLang="en-US"/>
+          </a:p>
+        </p:txBody>
+      </p:sp>
+    </p:spTree>
+  </p:cSld>
+  <p:clrMapOvr>
+    <a:masterClrMapping/>
+  </p:clrMapOvr>
+</p:sld>
+</file>
+
 <file path=ppt/theme/theme1.xml><?xml version="1.0" encoding="utf-8"?>
 <a:theme xmlns:a="http://schemas.openxmlformats.org/drawingml/2006/main" name="Office 主题">
   <a:themeElements>
